--- a/01 spfx + sp rest api.pptx
+++ b/01 spfx + sp rest api.pptx
@@ -263,7 +263,7 @@
               <a:rPr lang="en-US" smtClean="0">
                 <a:latin typeface="Segoe UI" pitchFamily="34" charset="0"/>
               </a:rPr>
-              <a:t>12/14/18 10:43 AM</a:t>
+              <a:t>12/20/18 12:43 PM</a:t>
             </a:fld>
             <a:endParaRPr lang="en-US" dirty="0">
               <a:latin typeface="Segoe UI" pitchFamily="34" charset="0"/>
@@ -557,7 +557,7 @@
           <a:p>
             <a:fld id="{D18B56EA-E28F-4F92-9F16-7A6F2501B303}" type="datetime8">
               <a:rPr lang="en-US" smtClean="0"/>
-              <a:t>12/14/18 10:43 AM</a:t>
+              <a:t>12/20/18 12:43 PM</a:t>
             </a:fld>
             <a:endParaRPr lang="en-US" dirty="0"/>
           </a:p>
@@ -940,7 +940,7 @@
           <a:p>
             <a:fld id="{D18B56EA-E28F-4F92-9F16-7A6F2501B303}" type="datetime8">
               <a:rPr lang="en-US" smtClean="0"/>
-              <a:t>12/14/18 10:43 AM</a:t>
+              <a:t>12/20/18 12:43 PM</a:t>
             </a:fld>
             <a:endParaRPr lang="en-US" dirty="0"/>
           </a:p>
@@ -1121,7 +1121,7 @@
           <a:p>
             <a:fld id="{D18B56EA-E28F-4F92-9F16-7A6F2501B303}" type="datetime8">
               <a:rPr lang="en-US" smtClean="0"/>
-              <a:t>12/14/18 10:43 AM</a:t>
+              <a:t>12/20/18 12:43 PM</a:t>
             </a:fld>
             <a:endParaRPr lang="en-US" dirty="0"/>
           </a:p>
@@ -1464,7 +1464,7 @@
           <a:p>
             <a:fld id="{D18B56EA-E28F-4F92-9F16-7A6F2501B303}" type="datetime8">
               <a:rPr lang="en-US" smtClean="0"/>
-              <a:t>12/14/18 10:43 AM</a:t>
+              <a:t>12/20/18 12:43 PM</a:t>
             </a:fld>
             <a:endParaRPr lang="en-US" dirty="0"/>
           </a:p>
@@ -1645,7 +1645,7 @@
           <a:p>
             <a:fld id="{D18B56EA-E28F-4F92-9F16-7A6F2501B303}" type="datetime8">
               <a:rPr lang="en-US" smtClean="0"/>
-              <a:t>12/14/18 10:43 AM</a:t>
+              <a:t>12/20/18 12:43 PM</a:t>
             </a:fld>
             <a:endParaRPr lang="en-US" dirty="0"/>
           </a:p>
@@ -1826,7 +1826,7 @@
           <a:p>
             <a:fld id="{D18B56EA-E28F-4F92-9F16-7A6F2501B303}" type="datetime8">
               <a:rPr lang="en-US" smtClean="0"/>
-              <a:t>12/14/18 10:43 AM</a:t>
+              <a:t>12/20/18 12:43 PM</a:t>
             </a:fld>
             <a:endParaRPr lang="en-US" dirty="0"/>
           </a:p>
@@ -2007,7 +2007,7 @@
           <a:p>
             <a:fld id="{D18B56EA-E28F-4F92-9F16-7A6F2501B303}" type="datetime8">
               <a:rPr lang="en-US" smtClean="0"/>
-              <a:t>12/14/18 10:43 AM</a:t>
+              <a:t>12/20/18 12:43 PM</a:t>
             </a:fld>
             <a:endParaRPr lang="en-US" dirty="0"/>
           </a:p>
@@ -6707,8 +6707,8 @@
 </file>
 
 <file path=ppt/slideLayouts/slideLayout26.xml><?xml version="1.0" encoding="utf-8"?>
-<p:sldLayout xmlns:a="http://schemas.openxmlformats.org/drawingml/2006/main" xmlns:r="http://schemas.openxmlformats.org/officeDocument/2006/relationships" xmlns:p="http://schemas.openxmlformats.org/presentationml/2006/main" userDrawn="1">
-  <p:cSld name="Developer Code Layout">
+<p:sldLayout xmlns:a="http://schemas.openxmlformats.org/drawingml/2006/main" xmlns:r="http://schemas.openxmlformats.org/officeDocument/2006/relationships" xmlns:p="http://schemas.openxmlformats.org/presentationml/2006/main" preserve="1" userDrawn="1">
+  <p:cSld name="1_Developer Code Layout">
     <p:spTree>
       <p:nvGrpSpPr>
         <p:cNvPr id="1" name=""/>
@@ -6733,27 +6733,31 @@
             <p:ph type="title" hasCustomPrompt="1"/>
           </p:nvPr>
         </p:nvSpPr>
-        <p:spPr/>
+        <p:spPr>
+          <a:xfrm>
+            <a:off x="464400" y="633600"/>
+            <a:ext cx="11575200" cy="410369"/>
+          </a:xfrm>
+        </p:spPr>
         <p:txBody>
-          <a:bodyPr/>
+          <a:bodyPr vert="horz" wrap="square" lIns="0" tIns="0" rIns="0" bIns="0" rtlCol="0" anchor="t">
+            <a:spAutoFit/>
+          </a:bodyPr>
           <a:lstStyle>
             <a:lvl1pPr>
-              <a:defRPr>
-                <a:gradFill>
-                  <a:gsLst>
-                    <a:gs pos="1250">
-                      <a:schemeClr val="tx2"/>
-                    </a:gs>
-                    <a:gs pos="100000">
-                      <a:schemeClr val="tx2"/>
-                    </a:gs>
-                  </a:gsLst>
-                  <a:lin ang="5400000" scaled="0"/>
-                </a:gradFill>
+              <a:defRPr lang="en-US" sz="2800" dirty="0">
+                <a:solidFill>
+                  <a:srgbClr val="2F2F2F"/>
+                </a:solidFill>
               </a:defRPr>
             </a:lvl1pPr>
           </a:lstStyle>
           <a:p>
+            <a:pPr lvl="0">
+              <a:lnSpc>
+                <a:spcPts val="3200"/>
+              </a:lnSpc>
+            </a:pPr>
             <a:r>
               <a:rPr lang="en-US" dirty="0"/>
               <a:t>Slide for Developer Code</a:t>
@@ -6846,8 +6850,8 @@
         </p:nvSpPr>
         <p:spPr>
           <a:xfrm>
-            <a:off x="528849" y="1476622"/>
-            <a:ext cx="11378776" cy="2360774"/>
+            <a:off x="464400" y="1178952"/>
+            <a:ext cx="11575200" cy="2658444"/>
           </a:xfrm>
         </p:spPr>
         <p:txBody>
@@ -6962,45 +6966,44 @@
           <a:p>
             <a:pPr lvl="0"/>
             <a:r>
-              <a:rPr lang="en-US"/>
+              <a:rPr lang="en-US" dirty="0"/>
               <a:t>Click to edit Master text styles</a:t>
             </a:r>
           </a:p>
           <a:p>
             <a:pPr lvl="1"/>
             <a:r>
-              <a:rPr lang="en-US"/>
+              <a:rPr lang="en-US" dirty="0"/>
               <a:t>Second level</a:t>
             </a:r>
           </a:p>
           <a:p>
             <a:pPr lvl="2"/>
             <a:r>
-              <a:rPr lang="en-US"/>
+              <a:rPr lang="en-US" dirty="0"/>
               <a:t>Third level</a:t>
             </a:r>
           </a:p>
           <a:p>
             <a:pPr lvl="3"/>
             <a:r>
-              <a:rPr lang="en-US"/>
+              <a:rPr lang="en-US" dirty="0"/>
               <a:t>Fourth level</a:t>
             </a:r>
           </a:p>
           <a:p>
             <a:pPr lvl="4"/>
             <a:r>
-              <a:rPr lang="en-US"/>
+              <a:rPr lang="en-US" dirty="0"/>
               <a:t>Fifth level</a:t>
             </a:r>
-            <a:endParaRPr lang="en-US" dirty="0"/>
           </a:p>
         </p:txBody>
       </p:sp>
     </p:spTree>
     <p:extLst>
       <p:ext uri="{BB962C8B-B14F-4D97-AF65-F5344CB8AC3E}">
-        <p14:creationId xmlns:p14="http://schemas.microsoft.com/office/powerpoint/2010/main" val="2517332202"/>
+        <p14:creationId xmlns:p14="http://schemas.microsoft.com/office/powerpoint/2010/main" val="2118196420"/>
       </p:ext>
     </p:extLst>
   </p:cSld>
@@ -7014,8 +7017,8 @@
 </file>
 
 <file path=ppt/slideLayouts/slideLayout27.xml><?xml version="1.0" encoding="utf-8"?>
-<p:sldLayout xmlns:a="http://schemas.openxmlformats.org/drawingml/2006/main" xmlns:r="http://schemas.openxmlformats.org/officeDocument/2006/relationships" xmlns:p="http://schemas.openxmlformats.org/presentationml/2006/main" userDrawn="1">
-  <p:cSld name="Title &amp; 2-color Non-bulleted text">
+<p:sldLayout xmlns:a="http://schemas.openxmlformats.org/drawingml/2006/main" xmlns:r="http://schemas.openxmlformats.org/officeDocument/2006/relationships" xmlns:p="http://schemas.openxmlformats.org/presentationml/2006/main" preserve="1" userDrawn="1">
+  <p:cSld name="1_Title &amp; 2-color Non-bulleted text">
     <p:spTree>
       <p:nvGrpSpPr>
         <p:cNvPr id="1" name=""/>
@@ -7030,36 +7033,6 @@
           <a:chExt cx="0" cy="0"/>
         </a:xfrm>
       </p:grpSpPr>
-      <p:pic>
-        <p:nvPicPr>
-          <p:cNvPr id="7" name="Picture 6"/>
-          <p:cNvPicPr>
-            <a:picLocks noChangeAspect="1"/>
-          </p:cNvPicPr>
-          <p:nvPr userDrawn="1"/>
-        </p:nvPicPr>
-        <p:blipFill>
-          <a:blip r:embed="rId2" cstate="screen">
-            <a:extLst>
-              <a:ext uri="{28A0092B-C50C-407E-A947-70E740481C1C}">
-                <a14:useLocalDpi xmlns:a14="http://schemas.microsoft.com/office/drawing/2010/main"/>
-              </a:ext>
-            </a:extLst>
-          </a:blip>
-          <a:stretch>
-            <a:fillRect/>
-          </a:stretch>
-        </p:blipFill>
-        <p:spPr>
-          <a:xfrm>
-            <a:off x="10933639" y="6533467"/>
-            <a:ext cx="1501954" cy="477297"/>
-          </a:xfrm>
-          <a:prstGeom prst="rect">
-            <a:avLst/>
-          </a:prstGeom>
-        </p:spPr>
-      </p:pic>
       <p:sp>
         <p:nvSpPr>
           <p:cNvPr id="2" name="Title 1"/>
@@ -7070,16 +7043,35 @@
             <p:ph type="title"/>
           </p:nvPr>
         </p:nvSpPr>
-        <p:spPr/>
+        <p:spPr>
+          <a:xfrm>
+            <a:off x="464400" y="633600"/>
+            <a:ext cx="11574000" cy="410369"/>
+          </a:xfrm>
+        </p:spPr>
         <p:txBody>
-          <a:bodyPr/>
-          <a:lstStyle/>
-          <a:p>
-            <a:r>
-              <a:rPr lang="en-US"/>
+          <a:bodyPr vert="horz" wrap="square" lIns="0" tIns="0" rIns="0" bIns="0" rtlCol="0" anchor="t">
+            <a:spAutoFit/>
+          </a:bodyPr>
+          <a:lstStyle>
+            <a:lvl1pPr>
+              <a:defRPr lang="en-US" sz="2800" dirty="0">
+                <a:solidFill>
+                  <a:srgbClr val="2F2F2F"/>
+                </a:solidFill>
+              </a:defRPr>
+            </a:lvl1pPr>
+          </a:lstStyle>
+          <a:p>
+            <a:pPr lvl="0">
+              <a:lnSpc>
+                <a:spcPts val="3200"/>
+              </a:lnSpc>
+            </a:pPr>
+            <a:r>
+              <a:rPr lang="en-US" dirty="0"/>
               <a:t>Click to edit Master title style</a:t>
             </a:r>
-            <a:endParaRPr lang="en-US" dirty="0"/>
           </a:p>
         </p:txBody>
       </p:sp>
@@ -7095,8 +7087,8 @@
         </p:nvSpPr>
         <p:spPr>
           <a:xfrm>
-            <a:off x="274638" y="1212850"/>
-            <a:ext cx="11887200" cy="1889748"/>
+            <a:off x="464400" y="1212850"/>
+            <a:ext cx="11574000" cy="1346522"/>
           </a:xfrm>
         </p:spPr>
         <p:txBody>
@@ -7104,7 +7096,7 @@
           <a:lstStyle>
             <a:lvl1pPr marL="0" indent="0">
               <a:buNone/>
-              <a:defRPr>
+              <a:defRPr sz="2400">
                 <a:solidFill>
                   <a:schemeClr val="tx2"/>
                 </a:solidFill>
@@ -7113,63 +7105,62 @@
             <a:lvl2pPr marL="0" indent="0">
               <a:buFontTx/>
               <a:buNone/>
-              <a:defRPr sz="2000"/>
+              <a:defRPr sz="1400"/>
             </a:lvl2pPr>
             <a:lvl3pPr marL="228600" indent="0">
               <a:buNone/>
-              <a:defRPr sz="1800"/>
+              <a:defRPr sz="1200"/>
             </a:lvl3pPr>
             <a:lvl4pPr marL="457200" indent="0">
               <a:buNone/>
-              <a:defRPr sz="1600"/>
+              <a:defRPr sz="1100"/>
             </a:lvl4pPr>
             <a:lvl5pPr marL="685800" indent="0">
               <a:buNone/>
-              <a:defRPr sz="1400"/>
+              <a:defRPr sz="1050"/>
             </a:lvl5pPr>
           </a:lstStyle>
           <a:p>
             <a:pPr lvl="0"/>
             <a:r>
-              <a:rPr lang="en-US"/>
+              <a:rPr lang="en-US" dirty="0"/>
               <a:t>Edit Master text styles</a:t>
             </a:r>
           </a:p>
           <a:p>
             <a:pPr lvl="1"/>
             <a:r>
-              <a:rPr lang="en-US"/>
+              <a:rPr lang="en-US" dirty="0"/>
               <a:t>Second level</a:t>
             </a:r>
           </a:p>
           <a:p>
             <a:pPr lvl="2"/>
             <a:r>
-              <a:rPr lang="en-US"/>
+              <a:rPr lang="en-US" dirty="0"/>
               <a:t>Third level</a:t>
             </a:r>
           </a:p>
           <a:p>
             <a:pPr lvl="3"/>
             <a:r>
-              <a:rPr lang="en-US"/>
+              <a:rPr lang="en-US" dirty="0"/>
               <a:t>Fourth level</a:t>
             </a:r>
           </a:p>
           <a:p>
             <a:pPr lvl="4"/>
             <a:r>
-              <a:rPr lang="en-US"/>
+              <a:rPr lang="en-US" dirty="0"/>
               <a:t>Fifth level</a:t>
             </a:r>
-            <a:endParaRPr lang="en-US" dirty="0"/>
           </a:p>
         </p:txBody>
       </p:sp>
     </p:spTree>
     <p:extLst>
       <p:ext uri="{BB962C8B-B14F-4D97-AF65-F5344CB8AC3E}">
-        <p14:creationId xmlns:p14="http://schemas.microsoft.com/office/powerpoint/2010/main" val="3845859015"/>
+        <p14:creationId xmlns:p14="http://schemas.microsoft.com/office/powerpoint/2010/main" val="1467067199"/>
       </p:ext>
     </p:extLst>
   </p:cSld>
@@ -7183,8 +7174,8 @@
 </file>
 
 <file path=ppt/slideLayouts/slideLayout28.xml><?xml version="1.0" encoding="utf-8"?>
-<p:sldLayout xmlns:a="http://schemas.openxmlformats.org/drawingml/2006/main" xmlns:r="http://schemas.openxmlformats.org/officeDocument/2006/relationships" xmlns:p="http://schemas.openxmlformats.org/presentationml/2006/main" userDrawn="1">
-  <p:cSld name="Title and Content">
+<p:sldLayout xmlns:a="http://schemas.openxmlformats.org/drawingml/2006/main" xmlns:r="http://schemas.openxmlformats.org/officeDocument/2006/relationships" xmlns:p="http://schemas.openxmlformats.org/presentationml/2006/main" preserve="1" userDrawn="1">
+  <p:cSld name="1_Title and Content">
     <p:spTree>
       <p:nvGrpSpPr>
         <p:cNvPr id="1" name=""/>
@@ -7211,8 +7202,8 @@
         </p:nvSpPr>
         <p:spPr>
           <a:xfrm>
-            <a:off x="274638" y="1212850"/>
-            <a:ext cx="11887200" cy="2240229"/>
+            <a:off x="464400" y="1212850"/>
+            <a:ext cx="11574000" cy="1566583"/>
           </a:xfrm>
         </p:spPr>
         <p:txBody>
@@ -7220,51 +7211,56 @@
             <a:spAutoFit/>
           </a:bodyPr>
           <a:lstStyle>
+            <a:lvl1pPr>
+              <a:defRPr sz="2400"/>
+            </a:lvl1pPr>
+            <a:lvl2pPr>
+              <a:defRPr sz="1800"/>
+            </a:lvl2pPr>
             <a:lvl3pPr>
-              <a:defRPr sz="2399"/>
+              <a:defRPr sz="1600"/>
             </a:lvl3pPr>
             <a:lvl4pPr>
-              <a:defRPr sz="1999"/>
+              <a:defRPr sz="1400"/>
             </a:lvl4pPr>
             <a:lvl5pPr>
-              <a:defRPr sz="1999"/>
+              <a:defRPr sz="1400"/>
             </a:lvl5pPr>
           </a:lstStyle>
           <a:p>
             <a:pPr lvl="0"/>
             <a:r>
-              <a:rPr lang="en-US"/>
+              <a:rPr lang="en-US" dirty="0"/>
               <a:t>Edit Master text styles</a:t>
             </a:r>
           </a:p>
           <a:p>
             <a:pPr lvl="1"/>
             <a:r>
-              <a:rPr lang="en-US"/>
+              <a:rPr lang="en-US" dirty="0"/>
               <a:t>Second level</a:t>
             </a:r>
           </a:p>
           <a:p>
             <a:pPr lvl="2"/>
             <a:r>
-              <a:rPr lang="en-US"/>
+              <a:rPr lang="en-US" dirty="0"/>
               <a:t>Third level</a:t>
             </a:r>
           </a:p>
           <a:p>
             <a:pPr lvl="3"/>
             <a:r>
-              <a:rPr lang="en-US"/>
+              <a:rPr lang="en-US" dirty="0"/>
               <a:t>Fourth level</a:t>
             </a:r>
           </a:p>
           <a:p>
             <a:pPr lvl="4"/>
             <a:r>
-              <a:rPr lang="en-US"/>
+              <a:rPr lang="en-US" dirty="0"/>
               <a:t>Fifth level</a:t>
             </a:r>
-            <a:endParaRPr lang="en-US" dirty="0"/>
           </a:p>
         </p:txBody>
       </p:sp>
@@ -7278,13 +7274,33 @@
             <p:ph type="title"/>
           </p:nvPr>
         </p:nvSpPr>
-        <p:spPr/>
+        <p:spPr>
+          <a:xfrm>
+            <a:off x="464400" y="633600"/>
+            <a:ext cx="11574000" cy="410369"/>
+          </a:xfrm>
+        </p:spPr>
         <p:txBody>
-          <a:bodyPr/>
-          <a:lstStyle/>
-          <a:p>
-            <a:r>
-              <a:rPr lang="en-US"/>
+          <a:bodyPr vert="horz" wrap="square" lIns="0" tIns="0" rIns="0" bIns="0" rtlCol="0" anchor="t">
+            <a:spAutoFit/>
+          </a:bodyPr>
+          <a:lstStyle>
+            <a:lvl1pPr>
+              <a:defRPr lang="en-US" sz="2800">
+                <a:solidFill>
+                  <a:srgbClr val="2F2F2F"/>
+                </a:solidFill>
+              </a:defRPr>
+            </a:lvl1pPr>
+          </a:lstStyle>
+          <a:p>
+            <a:pPr lvl="0">
+              <a:lnSpc>
+                <a:spcPts val="3200"/>
+              </a:lnSpc>
+            </a:pPr>
+            <a:r>
+              <a:rPr lang="en-US" dirty="0"/>
               <a:t>Click to edit Master title style</a:t>
             </a:r>
           </a:p>
@@ -7293,7 +7309,7 @@
     </p:spTree>
     <p:extLst>
       <p:ext uri="{BB962C8B-B14F-4D97-AF65-F5344CB8AC3E}">
-        <p14:creationId xmlns:p14="http://schemas.microsoft.com/office/powerpoint/2010/main" val="3733558018"/>
+        <p14:creationId xmlns:p14="http://schemas.microsoft.com/office/powerpoint/2010/main" val="3698661701"/>
       </p:ext>
     </p:extLst>
   </p:cSld>
@@ -14202,9 +14218,9 @@
     <p:sldLayoutId id="2147484545" r:id="rId23"/>
     <p:sldLayoutId id="2147484546" r:id="rId24"/>
     <p:sldLayoutId id="2147484299" r:id="rId25"/>
-    <p:sldLayoutId id="2147484552" r:id="rId26"/>
-    <p:sldLayoutId id="2147484556" r:id="rId27"/>
-    <p:sldLayoutId id="2147484558" r:id="rId28"/>
+    <p:sldLayoutId id="2147484559" r:id="rId26"/>
+    <p:sldLayoutId id="2147484560" r:id="rId27"/>
+    <p:sldLayoutId id="2147484561" r:id="rId28"/>
   </p:sldLayoutIdLst>
   <p:transition>
     <p:fade/>
@@ -15507,88 +15523,83 @@
             <p:ph type="body" sz="quarter" idx="10"/>
           </p:nvPr>
         </p:nvSpPr>
-        <p:spPr>
-          <a:xfrm>
-            <a:off x="274638" y="1212850"/>
-            <a:ext cx="11887200" cy="5496889"/>
-          </a:xfrm>
-        </p:spPr>
+        <p:spPr/>
         <p:txBody>
           <a:bodyPr/>
           <a:lstStyle/>
           <a:p>
             <a:r>
-              <a:rPr lang="en-US" sz="2800" dirty="0"/>
+              <a:rPr lang="en-US" dirty="0"/>
               <a:t>Primary API used for accessing data in SharePoint data remotely</a:t>
             </a:r>
           </a:p>
           <a:p>
             <a:pPr lvl="1"/>
             <a:r>
-              <a:rPr lang="en-US" sz="2000" dirty="0"/>
+              <a:rPr lang="en-US" dirty="0"/>
               <a:t>Used in client-side solutions</a:t>
             </a:r>
           </a:p>
           <a:p>
             <a:pPr lvl="1"/>
             <a:r>
-              <a:rPr lang="en-US" sz="2000" dirty="0"/>
+              <a:rPr lang="en-US" dirty="0"/>
               <a:t>Used in server-side solutions ”off” the SharePoint Server</a:t>
             </a:r>
           </a:p>
           <a:p>
-            <a:endParaRPr lang="en-US" sz="2800" dirty="0"/>
-          </a:p>
-          <a:p>
-            <a:r>
-              <a:rPr lang="en-US" sz="2800" dirty="0"/>
+            <a:endParaRPr lang="en-US" dirty="0"/>
+          </a:p>
+          <a:p>
+            <a:r>
+              <a:rPr lang="en-US" dirty="0"/>
               <a:t>Many SDKs and libraries leverage the REST API</a:t>
             </a:r>
           </a:p>
           <a:p>
             <a:pPr lvl="1"/>
             <a:r>
-              <a:rPr lang="en-US" sz="2000" dirty="0"/>
+              <a:rPr lang="en-US" dirty="0"/>
               <a:t>SharePoint CSOM</a:t>
             </a:r>
           </a:p>
           <a:p>
             <a:pPr lvl="1"/>
             <a:r>
-              <a:rPr lang="en-US" sz="2000" dirty="0" err="1"/>
+              <a:rPr lang="en-US" dirty="0" err="1"/>
               <a:t>PnPJS</a:t>
             </a:r>
-            <a:endParaRPr lang="en-US" sz="2000" dirty="0"/>
+            <a:endParaRPr lang="en-US" dirty="0"/>
           </a:p>
           <a:p>
             <a:pPr lvl="1"/>
             <a:r>
-              <a:rPr lang="en-US" sz="2000" dirty="0"/>
+              <a:rPr lang="en-US" dirty="0"/>
               <a:t>etc.</a:t>
             </a:r>
           </a:p>
           <a:p>
-            <a:endParaRPr lang="en-US" sz="2800" dirty="0"/>
-          </a:p>
-          <a:p>
-            <a:r>
-              <a:rPr lang="en-US" sz="2800" dirty="0"/>
+            <a:endParaRPr lang="en-US" dirty="0"/>
+          </a:p>
+          <a:p>
+            <a:r>
+              <a:rPr lang="en-US" dirty="0"/>
               <a:t>Perform CRUD-Q operations on SharePoint entities, including </a:t>
             </a:r>
             <a:br>
-              <a:rPr lang="en-US" sz="2800" dirty="0"/>
+              <a:rPr lang="en-US" dirty="0"/>
             </a:br>
             <a:r>
-              <a:rPr lang="en-US" sz="2800" dirty="0"/>
+              <a:rPr lang="en-US" dirty="0"/>
               <a:t>items in lists &amp; libraries</a:t>
             </a:r>
           </a:p>
           <a:p>
-            <a:endParaRPr lang="en-US" sz="2800" dirty="0"/>
-          </a:p>
-          <a:p>
-            <a:r>
-              <a:rPr lang="en-US" sz="2800" dirty="0"/>
+            <a:endParaRPr lang="en-US" dirty="0"/>
+          </a:p>
+          <a:p>
+            <a:r>
+              <a:rPr lang="en-US" dirty="0"/>
               <a:t>Confirms to the OData v3 &amp; v4 specification</a:t>
             </a:r>
           </a:p>
@@ -15666,30 +15677,14 @@
             <p:ph type="body" sz="quarter" idx="10"/>
           </p:nvPr>
         </p:nvSpPr>
-        <p:spPr>
-          <a:xfrm>
-            <a:off x="274638" y="1212850"/>
-            <a:ext cx="11887200" cy="4795159"/>
-          </a:xfrm>
-        </p:spPr>
+        <p:spPr/>
         <p:txBody>
           <a:bodyPr/>
           <a:lstStyle/>
           <a:p>
             <a:r>
               <a:rPr lang="en-US" dirty="0"/>
-              <a:t>Must include an </a:t>
-            </a:r>
-            <a:r>
-              <a:rPr lang="en-US" dirty="0">
-                <a:latin typeface="Courier New" panose="02070309020205020404" pitchFamily="49" charset="0"/>
-                <a:cs typeface="Courier New" panose="02070309020205020404" pitchFamily="49" charset="0"/>
-              </a:rPr>
-              <a:t>Authorization </a:t>
-            </a:r>
-            <a:r>
-              <a:rPr lang="en-US" dirty="0"/>
-              <a:t>header containing an OAuth bearer token</a:t>
+              <a:t>Must include an Authorization header containing an OAuth bearer token</a:t>
             </a:r>
           </a:p>
           <a:p>
@@ -15712,15 +15707,7 @@
             <a:pPr lvl="1"/>
             <a:r>
               <a:rPr lang="en-US" dirty="0"/>
-              <a:t>OData v3 or v4 (</a:t>
-            </a:r>
-            <a:r>
-              <a:rPr lang="en-US" i="1" dirty="0"/>
-              <a:t>default = v3</a:t>
-            </a:r>
-            <a:r>
-              <a:rPr lang="en-US" dirty="0"/>
-              <a:t>)</a:t>
+              <a:t>OData v3 or v4 (default = v3)</a:t>
             </a:r>
           </a:p>
           <a:p>
@@ -15734,15 +15721,7 @@
             <a:pPr lvl="1"/>
             <a:r>
               <a:rPr lang="en-US" dirty="0"/>
-              <a:t>Type of operation to perform (</a:t>
-            </a:r>
-            <a:r>
-              <a:rPr lang="en-US" i="1" dirty="0"/>
-              <a:t>in the case of updates: merge / update</a:t>
-            </a:r>
-            <a:r>
-              <a:rPr lang="en-US" dirty="0"/>
-              <a:t>)</a:t>
+              <a:t>Type of operation to perform (in the case of updates: merge / update)</a:t>
             </a:r>
           </a:p>
           <a:p>
@@ -15859,12 +15838,7 @@
             <p:ph type="body" sz="quarter" idx="10"/>
           </p:nvPr>
         </p:nvSpPr>
-        <p:spPr>
-          <a:xfrm>
-            <a:off x="528849" y="1476622"/>
-            <a:ext cx="11378776" cy="3449662"/>
-          </a:xfrm>
-        </p:spPr>
+        <p:spPr/>
         <p:txBody>
           <a:bodyPr/>
           <a:lstStyle/>
@@ -16008,8 +15982,8 @@
         </p:nvSpPr>
         <p:spPr>
           <a:xfrm>
-            <a:off x="274638" y="1212850"/>
-            <a:ext cx="11887200" cy="5293757"/>
+            <a:off x="464400" y="1212850"/>
+            <a:ext cx="11574000" cy="2954655"/>
           </a:xfrm>
         </p:spPr>
         <p:txBody>
@@ -16083,32 +16057,28 @@
               <a:t>Based on the existing </a:t>
             </a:r>
             <a:r>
-              <a:rPr lang="en-US" dirty="0" err="1"/>
-              <a:t>HttpClient</a:t>
-            </a:r>
-            <a:r>
-              <a:rPr lang="en-US" dirty="0"/>
-              <a:t> API</a:t>
-            </a:r>
-          </a:p>
-          <a:p>
-            <a:r>
-              <a:rPr lang="en-US" dirty="0"/>
-              <a:t>Handles the authentication &amp; default config setting:</a:t>
-            </a:r>
-          </a:p>
-          <a:p>
-            <a:pPr lvl="1"/>
-            <a:r>
-              <a:rPr lang="en-US" dirty="0">
+              <a:rPr lang="en-US" dirty="0" err="1">
                 <a:latin typeface="Courier New" panose="02070309020205020404" pitchFamily="49" charset="0"/>
                 <a:cs typeface="Courier New" panose="02070309020205020404" pitchFamily="49" charset="0"/>
               </a:rPr>
-              <a:t>Authorization </a:t>
-            </a:r>
-            <a:r>
-              <a:rPr lang="en-US" dirty="0"/>
-              <a:t>HTTP header</a:t>
+              <a:t>HttpClient</a:t>
+            </a:r>
+            <a:r>
+              <a:rPr lang="en-US" dirty="0"/>
+              <a:t> API</a:t>
+            </a:r>
+          </a:p>
+          <a:p>
+            <a:r>
+              <a:rPr lang="en-US" dirty="0"/>
+              <a:t>Handles the authentication &amp; default config setting:</a:t>
+            </a:r>
+          </a:p>
+          <a:p>
+            <a:pPr lvl="1"/>
+            <a:r>
+              <a:rPr lang="en-US" dirty="0"/>
+              <a:t>Authorization HTTP header</a:t>
             </a:r>
           </a:p>
           <a:p>
@@ -16239,8 +16209,8 @@
         </p:nvSpPr>
         <p:spPr>
           <a:xfrm>
-            <a:off x="528849" y="1476622"/>
-            <a:ext cx="11378776" cy="5432256"/>
+            <a:off x="464400" y="1178952"/>
+            <a:ext cx="11575200" cy="4907497"/>
           </a:xfrm>
         </p:spPr>
         <p:txBody>
@@ -16248,227 +16218,181 @@
           <a:lstStyle/>
           <a:p>
             <a:r>
-              <a:rPr lang="en-US" sz="2000" dirty="0"/>
+              <a:rPr lang="en-US" sz="1800" dirty="0"/>
               <a:t>private _</a:t>
             </a:r>
             <a:r>
-              <a:rPr lang="en-US" sz="2000" dirty="0" err="1"/>
+              <a:rPr lang="en-US" sz="1800" dirty="0" err="1"/>
               <a:t>getListItems</a:t>
             </a:r>
             <a:r>
-              <a:rPr lang="en-US" sz="2000" dirty="0"/>
+              <a:rPr lang="en-US" sz="1800" dirty="0"/>
               <a:t>(): Promise&lt;</a:t>
             </a:r>
             <a:r>
-              <a:rPr lang="en-US" sz="2000" dirty="0" err="1"/>
+              <a:rPr lang="en-US" sz="1800" dirty="0" err="1"/>
               <a:t>ICountryListItem</a:t>
             </a:r>
             <a:r>
-              <a:rPr lang="en-US" sz="2000" dirty="0"/>
+              <a:rPr lang="en-US" sz="1800" dirty="0"/>
               <a:t>[]&gt; {</a:t>
             </a:r>
           </a:p>
           <a:p>
             <a:r>
-              <a:rPr lang="en-US" sz="2000" dirty="0"/>
+              <a:rPr lang="en-US" sz="1800" dirty="0"/>
               <a:t>  </a:t>
             </a:r>
             <a:r>
-              <a:rPr lang="en-US" sz="2000" dirty="0" err="1"/>
+              <a:rPr lang="en-US" sz="1800" dirty="0" err="1"/>
               <a:t>const</a:t>
             </a:r>
             <a:r>
-              <a:rPr lang="en-US" sz="2000" dirty="0"/>
+              <a:rPr lang="en-US" sz="1800" dirty="0"/>
               <a:t> endpoint: string = </a:t>
             </a:r>
             <a:r>
-              <a:rPr lang="en-US" sz="2000" dirty="0" err="1"/>
+              <a:rPr lang="en-US" sz="1800" dirty="0" err="1"/>
               <a:t>this.context.pageContext.web.absoluteUrl</a:t>
             </a:r>
-            <a:endParaRPr lang="en-US" sz="2000" dirty="0"/>
-          </a:p>
-          <a:p>
-            <a:r>
-              <a:rPr lang="en-US" sz="2000" dirty="0"/>
+            <a:endParaRPr lang="en-US" sz="1800" dirty="0"/>
+          </a:p>
+          <a:p>
+            <a:r>
+              <a:rPr lang="en-US" sz="1800" dirty="0"/>
               <a:t>    + `/_</a:t>
             </a:r>
             <a:r>
-              <a:rPr lang="en-US" sz="2000" dirty="0" err="1"/>
+              <a:rPr lang="en-US" sz="1800" dirty="0" err="1"/>
               <a:t>api</a:t>
             </a:r>
             <a:r>
-              <a:rPr lang="en-US" sz="2000" dirty="0"/>
+              <a:rPr lang="en-US" sz="1800" dirty="0"/>
               <a:t>/web/lists/</a:t>
             </a:r>
             <a:r>
-              <a:rPr lang="en-US" sz="2000" dirty="0" err="1"/>
+              <a:rPr lang="en-US" sz="1800" dirty="0" err="1"/>
               <a:t>getbytitle</a:t>
             </a:r>
             <a:r>
-              <a:rPr lang="en-US" sz="2000" dirty="0"/>
+              <a:rPr lang="en-US" sz="1800" dirty="0"/>
               <a:t>('Countries')/items?$select=</a:t>
             </a:r>
             <a:r>
-              <a:rPr lang="en-US" sz="2000" dirty="0" err="1"/>
+              <a:rPr lang="en-US" sz="1800" dirty="0" err="1"/>
               <a:t>Id,Title</a:t>
             </a:r>
             <a:r>
-              <a:rPr lang="en-US" sz="2000" dirty="0"/>
+              <a:rPr lang="en-US" sz="1800" dirty="0"/>
               <a:t>`</a:t>
             </a:r>
           </a:p>
           <a:p>
-            <a:endParaRPr lang="en-US" sz="2000" dirty="0"/>
-          </a:p>
-          <a:p>
-            <a:r>
-              <a:rPr lang="en-US" sz="2000" dirty="0"/>
+            <a:endParaRPr lang="en-US" sz="1800" dirty="0"/>
+          </a:p>
+          <a:p>
+            <a:r>
+              <a:rPr lang="en-US" sz="1800" dirty="0"/>
               <a:t>  return </a:t>
             </a:r>
             <a:r>
-              <a:rPr lang="en-US" sz="2000" dirty="0" err="1"/>
-              <a:t>this.</a:t>
-            </a:r>
-            <a:r>
-              <a:rPr lang="en-US" sz="2000" dirty="0" err="1">
-                <a:solidFill>
-                  <a:schemeClr val="bg1">
-                    <a:lumMod val="10000"/>
-                  </a:schemeClr>
-                </a:solidFill>
-              </a:rPr>
-              <a:t>context.</a:t>
-            </a:r>
-            <a:r>
-              <a:rPr lang="en-US" sz="2000" dirty="0" err="1">
-                <a:solidFill>
-                  <a:schemeClr val="accent1"/>
-                </a:solidFill>
-              </a:rPr>
-              <a:t>spHttpClient.get</a:t>
-            </a:r>
-            <a:r>
-              <a:rPr lang="en-US" sz="2000" dirty="0"/>
+              <a:rPr lang="en-US" sz="1800" dirty="0" err="1"/>
+              <a:t>this.context.spHttpClient.get</a:t>
+            </a:r>
+            <a:r>
+              <a:rPr lang="en-US" sz="1800" dirty="0"/>
               <a:t>(</a:t>
             </a:r>
           </a:p>
           <a:p>
             <a:r>
-              <a:rPr lang="en-US" sz="2000" dirty="0"/>
-              <a:t>      </a:t>
-            </a:r>
-            <a:r>
-              <a:rPr lang="en-US" sz="2000" dirty="0">
-                <a:solidFill>
-                  <a:schemeClr val="accent1"/>
-                </a:solidFill>
-              </a:rPr>
-              <a:t>endpoint</a:t>
-            </a:r>
-            <a:r>
-              <a:rPr lang="en-US" sz="2000" dirty="0"/>
-              <a:t>, </a:t>
-            </a:r>
-          </a:p>
-          <a:p>
-            <a:r>
-              <a:rPr lang="en-US" sz="2000" dirty="0"/>
-              <a:t>      </a:t>
-            </a:r>
-            <a:r>
-              <a:rPr lang="en-US" sz="2000" dirty="0">
-                <a:solidFill>
-                  <a:schemeClr val="accent1"/>
-                </a:solidFill>
-              </a:rPr>
-              <a:t>SPHttpClient.configurations.v1</a:t>
-            </a:r>
-          </a:p>
-          <a:p>
-            <a:r>
-              <a:rPr lang="en-US" sz="2000" dirty="0">
-                <a:solidFill>
-                  <a:schemeClr val="accent1"/>
-                </a:solidFill>
-              </a:rPr>
-              <a:t>    </a:t>
-            </a:r>
-            <a:r>
-              <a:rPr lang="en-US" sz="2000" dirty="0"/>
-              <a:t>)</a:t>
-            </a:r>
-          </a:p>
-          <a:p>
-            <a:r>
-              <a:rPr lang="en-US" sz="2000" dirty="0"/>
+              <a:rPr lang="en-US" sz="1800" dirty="0"/>
+              <a:t>      endpoint, </a:t>
+            </a:r>
+          </a:p>
+          <a:p>
+            <a:r>
+              <a:rPr lang="en-US" sz="1800" dirty="0"/>
+              <a:t>      SPHttpClient.configurations.v1</a:t>
+            </a:r>
+          </a:p>
+          <a:p>
+            <a:r>
+              <a:rPr lang="en-US" sz="1800" dirty="0"/>
+              <a:t>    )</a:t>
+            </a:r>
+          </a:p>
+          <a:p>
+            <a:r>
+              <a:rPr lang="en-US" sz="1800" dirty="0"/>
               <a:t>    .then(response =&gt; {</a:t>
             </a:r>
           </a:p>
           <a:p>
             <a:r>
-              <a:rPr lang="en-US" sz="2000" dirty="0"/>
+              <a:rPr lang="en-US" sz="1800" dirty="0"/>
               <a:t>      return </a:t>
             </a:r>
             <a:r>
-              <a:rPr lang="en-US" sz="2000" dirty="0" err="1"/>
+              <a:rPr lang="en-US" sz="1800" dirty="0" err="1"/>
               <a:t>response.json</a:t>
             </a:r>
             <a:r>
-              <a:rPr lang="en-US" sz="2000" dirty="0"/>
+              <a:rPr lang="en-US" sz="1800" dirty="0"/>
               <a:t>();</a:t>
             </a:r>
           </a:p>
           <a:p>
             <a:r>
-              <a:rPr lang="en-US" sz="2000" dirty="0"/>
+              <a:rPr lang="en-US" sz="1800" dirty="0"/>
               <a:t>    })</a:t>
             </a:r>
           </a:p>
           <a:p>
             <a:r>
-              <a:rPr lang="en-US" sz="2000" dirty="0"/>
+              <a:rPr lang="en-US" sz="1800" dirty="0"/>
               <a:t>    .then(</a:t>
             </a:r>
             <a:r>
-              <a:rPr lang="en-US" sz="2000" dirty="0" err="1"/>
+              <a:rPr lang="en-US" sz="1800" dirty="0" err="1"/>
               <a:t>jsonResponse</a:t>
             </a:r>
             <a:r>
-              <a:rPr lang="en-US" sz="2000" dirty="0"/>
+              <a:rPr lang="en-US" sz="1800" dirty="0"/>
               <a:t> =&gt; {</a:t>
             </a:r>
           </a:p>
           <a:p>
             <a:r>
-              <a:rPr lang="en-US" sz="2000" dirty="0"/>
+              <a:rPr lang="en-US" sz="1800" dirty="0"/>
               <a:t>      return </a:t>
             </a:r>
             <a:r>
-              <a:rPr lang="en-US" sz="2000" dirty="0" err="1"/>
+              <a:rPr lang="en-US" sz="1800" dirty="0" err="1"/>
               <a:t>jsonResponse.value</a:t>
             </a:r>
             <a:r>
-              <a:rPr lang="en-US" sz="2000" dirty="0"/>
+              <a:rPr lang="en-US" sz="1800" dirty="0"/>
               <a:t>;</a:t>
             </a:r>
           </a:p>
           <a:p>
             <a:r>
-              <a:rPr lang="en-US" sz="2000" dirty="0"/>
+              <a:rPr lang="en-US" sz="1800" dirty="0"/>
               <a:t>    }) as Promise&lt;</a:t>
             </a:r>
             <a:r>
-              <a:rPr lang="en-US" sz="2000" dirty="0" err="1"/>
+              <a:rPr lang="en-US" sz="1800" dirty="0" err="1"/>
               <a:t>ICountryListItem</a:t>
             </a:r>
             <a:r>
-              <a:rPr lang="en-US" sz="2000" dirty="0"/>
+              <a:rPr lang="en-US" sz="1800" dirty="0"/>
               <a:t>[]&gt;;</a:t>
             </a:r>
           </a:p>
           <a:p>
             <a:r>
-              <a:rPr lang="en-US" sz="2000" dirty="0"/>
+              <a:rPr lang="en-US" sz="1800" dirty="0"/>
               <a:t>}</a:t>
             </a:r>
           </a:p>

--- a/01 spfx + sp rest api.pptx
+++ b/01 spfx + sp rest api.pptx
@@ -11,18 +11,18 @@
     <p:handoutMasterId r:id="rId16"/>
   </p:handoutMasterIdLst>
   <p:sldIdLst>
-    <p:sldId id="257" r:id="rId3"/>
-    <p:sldId id="263" r:id="rId4"/>
+    <p:sldId id="1562" r:id="rId3"/>
+    <p:sldId id="1563" r:id="rId4"/>
     <p:sldId id="1547" r:id="rId5"/>
     <p:sldId id="1548" r:id="rId6"/>
-    <p:sldId id="1549" r:id="rId7"/>
-    <p:sldId id="1550" r:id="rId8"/>
-    <p:sldId id="1551" r:id="rId9"/>
-    <p:sldId id="265" r:id="rId10"/>
-    <p:sldId id="283" r:id="rId11"/>
-    <p:sldId id="279" r:id="rId12"/>
-    <p:sldId id="261" r:id="rId13"/>
-    <p:sldId id="260" r:id="rId14"/>
+    <p:sldId id="1564" r:id="rId7"/>
+    <p:sldId id="1565" r:id="rId8"/>
+    <p:sldId id="1566" r:id="rId9"/>
+    <p:sldId id="1567" r:id="rId10"/>
+    <p:sldId id="1568" r:id="rId11"/>
+    <p:sldId id="1569" r:id="rId12"/>
+    <p:sldId id="1570" r:id="rId13"/>
+    <p:sldId id="1571" r:id="rId14"/>
   </p:sldIdLst>
   <p:sldSz cx="12436475" cy="6994525"/>
   <p:notesSz cx="6858000" cy="9144000"/>
@@ -126,26 +126,26 @@
       <p14:sectionLst xmlns:p14="http://schemas.microsoft.com/office/powerpoint/2010/main">
         <p14:section name="intro" id="{E1FBED56-7E21-C94D-8049-451270E8C32A}">
           <p14:sldIdLst>
-            <p14:sldId id="257"/>
-            <p14:sldId id="263"/>
+            <p14:sldId id="1562"/>
+            <p14:sldId id="1563"/>
           </p14:sldIdLst>
         </p14:section>
-        <p14:section name="body" id="{3A7429EF-79F1-A44F-B2E7-33EA665B892A}">
+        <p14:section name="body" id="{3D9C80B2-EAAE-E24F-83D7-5970E147313E}">
           <p14:sldIdLst>
             <p14:sldId id="1547"/>
             <p14:sldId id="1548"/>
-            <p14:sldId id="1549"/>
-            <p14:sldId id="1550"/>
-            <p14:sldId id="1551"/>
-            <p14:sldId id="265"/>
+            <p14:sldId id="1564"/>
+            <p14:sldId id="1565"/>
+            <p14:sldId id="1566"/>
+            <p14:sldId id="1567"/>
           </p14:sldIdLst>
         </p14:section>
         <p14:section name="outro" id="{E93196B6-EFE2-3242-B776-C77C0FCFFEF1}">
           <p14:sldIdLst>
-            <p14:sldId id="283"/>
-            <p14:sldId id="279"/>
-            <p14:sldId id="261"/>
-            <p14:sldId id="260"/>
+            <p14:sldId id="1568"/>
+            <p14:sldId id="1569"/>
+            <p14:sldId id="1570"/>
+            <p14:sldId id="1571"/>
           </p14:sldIdLst>
         </p14:section>
       </p14:sectionLst>
@@ -226,9 +226,12 @@
             </a:lvl1pPr>
           </a:lstStyle>
           <a:p>
-            <a:endParaRPr lang="en-US" dirty="0">
-              <a:latin typeface="Segoe UI" pitchFamily="34" charset="0"/>
-            </a:endParaRPr>
+            <a:r>
+              <a:rPr lang="en-US" dirty="0">
+                <a:latin typeface="Segoe UI" pitchFamily="34" charset="0"/>
+              </a:rPr>
+              <a:t>SharePoint Framework</a:t>
+            </a:r>
           </a:p>
         </p:txBody>
       </p:sp>
@@ -263,7 +266,7 @@
               <a:rPr lang="en-US" smtClean="0">
                 <a:latin typeface="Segoe UI" pitchFamily="34" charset="0"/>
               </a:rPr>
-              <a:t>12/20/18 12:43 PM</a:t>
+              <a:t>12/20/2018 9:08 PM</a:t>
             </a:fld>
             <a:endParaRPr lang="en-US" dirty="0">
               <a:latin typeface="Segoe UI" pitchFamily="34" charset="0"/>
@@ -423,7 +426,10 @@
             </a:lvl1pPr>
           </a:lstStyle>
           <a:p>
-            <a:endParaRPr lang="en-US" dirty="0"/>
+            <a:r>
+              <a:rPr lang="en-US" dirty="0"/>
+              <a:t>SharePoint Framework</a:t>
+            </a:r>
           </a:p>
         </p:txBody>
       </p:sp>
@@ -557,7 +563,7 @@
           <a:p>
             <a:fld id="{D18B56EA-E28F-4F92-9F16-7A6F2501B303}" type="datetime8">
               <a:rPr lang="en-US" smtClean="0"/>
-              <a:t>12/20/18 12:43 PM</a:t>
+              <a:t>12/20/2018 9:08 PM</a:t>
             </a:fld>
             <a:endParaRPr lang="en-US" dirty="0"/>
           </a:p>
@@ -940,7 +946,7 @@
           <a:p>
             <a:fld id="{D18B56EA-E28F-4F92-9F16-7A6F2501B303}" type="datetime8">
               <a:rPr lang="en-US" smtClean="0"/>
-              <a:t>12/20/18 12:43 PM</a:t>
+              <a:t>12/20/2018 9:08 PM</a:t>
             </a:fld>
             <a:endParaRPr lang="en-US" dirty="0"/>
           </a:p>
@@ -1121,7 +1127,7 @@
           <a:p>
             <a:fld id="{D18B56EA-E28F-4F92-9F16-7A6F2501B303}" type="datetime8">
               <a:rPr lang="en-US" smtClean="0"/>
-              <a:t>12/20/18 12:43 PM</a:t>
+              <a:t>12/20/2018 9:08 PM</a:t>
             </a:fld>
             <a:endParaRPr lang="en-US" dirty="0"/>
           </a:p>
@@ -1464,7 +1470,7 @@
           <a:p>
             <a:fld id="{D18B56EA-E28F-4F92-9F16-7A6F2501B303}" type="datetime8">
               <a:rPr lang="en-US" smtClean="0"/>
-              <a:t>12/20/18 12:43 PM</a:t>
+              <a:t>12/20/2018 9:08 PM</a:t>
             </a:fld>
             <a:endParaRPr lang="en-US" dirty="0"/>
           </a:p>
@@ -1645,7 +1651,7 @@
           <a:p>
             <a:fld id="{D18B56EA-E28F-4F92-9F16-7A6F2501B303}" type="datetime8">
               <a:rPr lang="en-US" smtClean="0"/>
-              <a:t>12/20/18 12:43 PM</a:t>
+              <a:t>12/20/2018 9:08 PM</a:t>
             </a:fld>
             <a:endParaRPr lang="en-US" dirty="0"/>
           </a:p>
@@ -1826,7 +1832,7 @@
           <a:p>
             <a:fld id="{D18B56EA-E28F-4F92-9F16-7A6F2501B303}" type="datetime8">
               <a:rPr lang="en-US" smtClean="0"/>
-              <a:t>12/20/18 12:43 PM</a:t>
+              <a:t>12/20/2018 9:08 PM</a:t>
             </a:fld>
             <a:endParaRPr lang="en-US" dirty="0"/>
           </a:p>
@@ -2007,7 +2013,7 @@
           <a:p>
             <a:fld id="{D18B56EA-E28F-4F92-9F16-7A6F2501B303}" type="datetime8">
               <a:rPr lang="en-US" smtClean="0"/>
-              <a:t>12/20/18 12:43 PM</a:t>
+              <a:t>12/20/2018 9:08 PM</a:t>
             </a:fld>
             <a:endParaRPr lang="en-US" dirty="0"/>
           </a:p>
@@ -6286,7 +6292,7 @@
           <a:lstStyle/>
           <a:p>
             <a:r>
-              <a:rPr lang="en-US"/>
+              <a:rPr lang="en-US" dirty="0"/>
               <a:t>Click icon to add table</a:t>
             </a:r>
           </a:p>
@@ -6707,8 +6713,8 @@
 </file>
 
 <file path=ppt/slideLayouts/slideLayout26.xml><?xml version="1.0" encoding="utf-8"?>
-<p:sldLayout xmlns:a="http://schemas.openxmlformats.org/drawingml/2006/main" xmlns:r="http://schemas.openxmlformats.org/officeDocument/2006/relationships" xmlns:p="http://schemas.openxmlformats.org/presentationml/2006/main" preserve="1" userDrawn="1">
-  <p:cSld name="1_Developer Code Layout">
+<p:sldLayout xmlns:a="http://schemas.openxmlformats.org/drawingml/2006/main" xmlns:r="http://schemas.openxmlformats.org/officeDocument/2006/relationships" xmlns:p="http://schemas.openxmlformats.org/presentationml/2006/main" userDrawn="1">
+  <p:cSld name="Developer Code Layout">
     <p:spTree>
       <p:nvGrpSpPr>
         <p:cNvPr id="1" name=""/>
@@ -7003,7 +7009,7 @@
     </p:spTree>
     <p:extLst>
       <p:ext uri="{BB962C8B-B14F-4D97-AF65-F5344CB8AC3E}">
-        <p14:creationId xmlns:p14="http://schemas.microsoft.com/office/powerpoint/2010/main" val="2118196420"/>
+        <p14:creationId xmlns:p14="http://schemas.microsoft.com/office/powerpoint/2010/main" val="2517332202"/>
       </p:ext>
     </p:extLst>
   </p:cSld>
@@ -7017,8 +7023,8 @@
 </file>
 
 <file path=ppt/slideLayouts/slideLayout27.xml><?xml version="1.0" encoding="utf-8"?>
-<p:sldLayout xmlns:a="http://schemas.openxmlformats.org/drawingml/2006/main" xmlns:r="http://schemas.openxmlformats.org/officeDocument/2006/relationships" xmlns:p="http://schemas.openxmlformats.org/presentationml/2006/main" preserve="1" userDrawn="1">
-  <p:cSld name="1_Title &amp; 2-color Non-bulleted text">
+<p:sldLayout xmlns:a="http://schemas.openxmlformats.org/drawingml/2006/main" xmlns:r="http://schemas.openxmlformats.org/officeDocument/2006/relationships" xmlns:p="http://schemas.openxmlformats.org/presentationml/2006/main" userDrawn="1">
+  <p:cSld name="Title &amp; 2-color Non-bulleted text">
     <p:spTree>
       <p:nvGrpSpPr>
         <p:cNvPr id="1" name=""/>
@@ -7160,7 +7166,7 @@
     </p:spTree>
     <p:extLst>
       <p:ext uri="{BB962C8B-B14F-4D97-AF65-F5344CB8AC3E}">
-        <p14:creationId xmlns:p14="http://schemas.microsoft.com/office/powerpoint/2010/main" val="1467067199"/>
+        <p14:creationId xmlns:p14="http://schemas.microsoft.com/office/powerpoint/2010/main" val="3845859015"/>
       </p:ext>
     </p:extLst>
   </p:cSld>
@@ -7174,8 +7180,8 @@
 </file>
 
 <file path=ppt/slideLayouts/slideLayout28.xml><?xml version="1.0" encoding="utf-8"?>
-<p:sldLayout xmlns:a="http://schemas.openxmlformats.org/drawingml/2006/main" xmlns:r="http://schemas.openxmlformats.org/officeDocument/2006/relationships" xmlns:p="http://schemas.openxmlformats.org/presentationml/2006/main" preserve="1" userDrawn="1">
-  <p:cSld name="1_Title and Content">
+<p:sldLayout xmlns:a="http://schemas.openxmlformats.org/drawingml/2006/main" xmlns:r="http://schemas.openxmlformats.org/officeDocument/2006/relationships" xmlns:p="http://schemas.openxmlformats.org/presentationml/2006/main" userDrawn="1">
+  <p:cSld name="Title and Content">
     <p:spTree>
       <p:nvGrpSpPr>
         <p:cNvPr id="1" name=""/>
@@ -7309,7 +7315,7 @@
     </p:spTree>
     <p:extLst>
       <p:ext uri="{BB962C8B-B14F-4D97-AF65-F5344CB8AC3E}">
-        <p14:creationId xmlns:p14="http://schemas.microsoft.com/office/powerpoint/2010/main" val="3698661701"/>
+        <p14:creationId xmlns:p14="http://schemas.microsoft.com/office/powerpoint/2010/main" val="2439250095"/>
       </p:ext>
     </p:extLst>
   </p:cSld>
@@ -14218,9 +14224,9 @@
     <p:sldLayoutId id="2147484545" r:id="rId23"/>
     <p:sldLayoutId id="2147484546" r:id="rId24"/>
     <p:sldLayoutId id="2147484299" r:id="rId25"/>
-    <p:sldLayoutId id="2147484559" r:id="rId26"/>
-    <p:sldLayoutId id="2147484560" r:id="rId27"/>
-    <p:sldLayoutId id="2147484561" r:id="rId28"/>
+    <p:sldLayoutId id="2147484552" r:id="rId26"/>
+    <p:sldLayoutId id="2147484556" r:id="rId27"/>
+    <p:sldLayoutId id="2147484559" r:id="rId28"/>
   </p:sldLayoutIdLst>
   <p:transition>
     <p:fade/>
@@ -14777,7 +14783,7 @@
     </p:spTree>
     <p:extLst>
       <p:ext uri="{BB962C8B-B14F-4D97-AF65-F5344CB8AC3E}">
-        <p14:creationId xmlns:p14="http://schemas.microsoft.com/office/powerpoint/2010/main" val="699719167"/>
+        <p14:creationId xmlns:p14="http://schemas.microsoft.com/office/powerpoint/2010/main" val="2527867444"/>
       </p:ext>
     </p:extLst>
   </p:cSld>
@@ -15171,7 +15177,7 @@
     </p:spTree>
     <p:extLst>
       <p:ext uri="{BB962C8B-B14F-4D97-AF65-F5344CB8AC3E}">
-        <p14:creationId xmlns:p14="http://schemas.microsoft.com/office/powerpoint/2010/main" val="3724015835"/>
+        <p14:creationId xmlns:p14="http://schemas.microsoft.com/office/powerpoint/2010/main" val="3861675144"/>
       </p:ext>
     </p:extLst>
   </p:cSld>
@@ -15213,7 +15219,7 @@
     </p:spTree>
     <p:extLst>
       <p:ext uri="{BB962C8B-B14F-4D97-AF65-F5344CB8AC3E}">
-        <p14:creationId xmlns:p14="http://schemas.microsoft.com/office/powerpoint/2010/main" val="3660847957"/>
+        <p14:creationId xmlns:p14="http://schemas.microsoft.com/office/powerpoint/2010/main" val="2920092992"/>
       </p:ext>
     </p:extLst>
   </p:cSld>
@@ -15474,7 +15480,7 @@
     </p:spTree>
     <p:extLst>
       <p:ext uri="{BB962C8B-B14F-4D97-AF65-F5344CB8AC3E}">
-        <p14:creationId xmlns:p14="http://schemas.microsoft.com/office/powerpoint/2010/main" val="60090990"/>
+        <p14:creationId xmlns:p14="http://schemas.microsoft.com/office/powerpoint/2010/main" val="2930309436"/>
       </p:ext>
     </p:extLst>
   </p:cSld>
@@ -16978,7 +16984,7 @@
     </p:spTree>
     <p:extLst>
       <p:ext uri="{BB962C8B-B14F-4D97-AF65-F5344CB8AC3E}">
-        <p14:creationId xmlns:p14="http://schemas.microsoft.com/office/powerpoint/2010/main" val="2509242320"/>
+        <p14:creationId xmlns:p14="http://schemas.microsoft.com/office/powerpoint/2010/main" val="2954236782"/>
       </p:ext>
     </p:extLst>
   </p:cSld>

--- a/01 spfx + sp rest api.pptx
+++ b/01 spfx + sp rest api.pptx
@@ -266,7 +266,7 @@
               <a:rPr lang="en-US" smtClean="0">
                 <a:latin typeface="Segoe UI" pitchFamily="34" charset="0"/>
               </a:rPr>
-              <a:t>12/20/2018 9:08 PM</a:t>
+              <a:t>1/7/19 3:45 PM</a:t>
             </a:fld>
             <a:endParaRPr lang="en-US" dirty="0">
               <a:latin typeface="Segoe UI" pitchFamily="34" charset="0"/>
@@ -563,7 +563,7 @@
           <a:p>
             <a:fld id="{D18B56EA-E28F-4F92-9F16-7A6F2501B303}" type="datetime8">
               <a:rPr lang="en-US" smtClean="0"/>
-              <a:t>12/20/2018 9:08 PM</a:t>
+              <a:t>1/7/19 3:45 PM</a:t>
             </a:fld>
             <a:endParaRPr lang="en-US" dirty="0"/>
           </a:p>
@@ -852,7 +852,7 @@
           <a:bodyPr/>
           <a:lstStyle/>
           <a:p>
-            <a:endParaRPr lang="en-US"/>
+            <a:endParaRPr lang="en-US" dirty="0"/>
           </a:p>
         </p:txBody>
       </p:sp>
@@ -946,7 +946,7 @@
           <a:p>
             <a:fld id="{D18B56EA-E28F-4F92-9F16-7A6F2501B303}" type="datetime8">
               <a:rPr lang="en-US" smtClean="0"/>
-              <a:t>12/20/2018 9:08 PM</a:t>
+              <a:t>1/7/19 3:45 PM</a:t>
             </a:fld>
             <a:endParaRPr lang="en-US" dirty="0"/>
           </a:p>
@@ -1127,7 +1127,7 @@
           <a:p>
             <a:fld id="{D18B56EA-E28F-4F92-9F16-7A6F2501B303}" type="datetime8">
               <a:rPr lang="en-US" smtClean="0"/>
-              <a:t>12/20/2018 9:08 PM</a:t>
+              <a:t>1/7/19 3:45 PM</a:t>
             </a:fld>
             <a:endParaRPr lang="en-US" dirty="0"/>
           </a:p>
@@ -1470,7 +1470,7 @@
           <a:p>
             <a:fld id="{D18B56EA-E28F-4F92-9F16-7A6F2501B303}" type="datetime8">
               <a:rPr lang="en-US" smtClean="0"/>
-              <a:t>12/20/2018 9:08 PM</a:t>
+              <a:t>1/7/19 3:45 PM</a:t>
             </a:fld>
             <a:endParaRPr lang="en-US" dirty="0"/>
           </a:p>
@@ -1651,7 +1651,7 @@
           <a:p>
             <a:fld id="{D18B56EA-E28F-4F92-9F16-7A6F2501B303}" type="datetime8">
               <a:rPr lang="en-US" smtClean="0"/>
-              <a:t>12/20/2018 9:08 PM</a:t>
+              <a:t>1/7/19 3:45 PM</a:t>
             </a:fld>
             <a:endParaRPr lang="en-US" dirty="0"/>
           </a:p>
@@ -1832,7 +1832,7 @@
           <a:p>
             <a:fld id="{D18B56EA-E28F-4F92-9F16-7A6F2501B303}" type="datetime8">
               <a:rPr lang="en-US" smtClean="0"/>
-              <a:t>12/20/2018 9:08 PM</a:t>
+              <a:t>1/7/19 3:45 PM</a:t>
             </a:fld>
             <a:endParaRPr lang="en-US" dirty="0"/>
           </a:p>
@@ -2013,7 +2013,7 @@
           <a:p>
             <a:fld id="{D18B56EA-E28F-4F92-9F16-7A6F2501B303}" type="datetime8">
               <a:rPr lang="en-US" smtClean="0"/>
-              <a:t>12/20/2018 9:08 PM</a:t>
+              <a:t>1/7/19 3:45 PM</a:t>
             </a:fld>
             <a:endParaRPr lang="en-US" dirty="0"/>
           </a:p>
@@ -15989,7 +15989,7 @@
         <p:spPr>
           <a:xfrm>
             <a:off x="464400" y="1212850"/>
-            <a:ext cx="11574000" cy="2954655"/>
+            <a:ext cx="11574000" cy="4173450"/>
           </a:xfrm>
         </p:spPr>
         <p:txBody>
@@ -16017,6 +16017,9 @@
             </a:endParaRPr>
           </a:p>
           <a:p>
+            <a:endParaRPr lang="en-US" dirty="0"/>
+          </a:p>
+          <a:p>
             <a:r>
               <a:rPr lang="en-US" dirty="0"/>
               <a:t>Available from the existing context:</a:t>
@@ -16058,6 +16061,9 @@
             </a:r>
           </a:p>
           <a:p>
+            <a:endParaRPr lang="en-US" dirty="0"/>
+          </a:p>
+          <a:p>
             <a:r>
               <a:rPr lang="en-US" dirty="0"/>
               <a:t>Based on the existing </a:t>
@@ -16073,6 +16079,9 @@
               <a:rPr lang="en-US" dirty="0"/>
               <a:t> API</a:t>
             </a:r>
+          </a:p>
+          <a:p>
+            <a:endParaRPr lang="en-US" dirty="0"/>
           </a:p>
           <a:p>
             <a:r>

--- a/01 spfx + sp rest api.pptx
+++ b/01 spfx + sp rest api.pptx
@@ -266,7 +266,7 @@
               <a:rPr lang="en-US" smtClean="0">
                 <a:latin typeface="Segoe UI" pitchFamily="34" charset="0"/>
               </a:rPr>
-              <a:t>1/7/19 3:45 PM</a:t>
+              <a:t>3/8/2019 6:53 PM</a:t>
             </a:fld>
             <a:endParaRPr lang="en-US" dirty="0">
               <a:latin typeface="Segoe UI" pitchFamily="34" charset="0"/>
@@ -563,7 +563,7 @@
           <a:p>
             <a:fld id="{D18B56EA-E28F-4F92-9F16-7A6F2501B303}" type="datetime8">
               <a:rPr lang="en-US" smtClean="0"/>
-              <a:t>1/7/19 3:45 PM</a:t>
+              <a:t>3/8/2019 6:53 PM</a:t>
             </a:fld>
             <a:endParaRPr lang="en-US" dirty="0"/>
           </a:p>
@@ -946,7 +946,7 @@
           <a:p>
             <a:fld id="{D18B56EA-E28F-4F92-9F16-7A6F2501B303}" type="datetime8">
               <a:rPr lang="en-US" smtClean="0"/>
-              <a:t>1/7/19 3:45 PM</a:t>
+              <a:t>3/8/2019 6:53 PM</a:t>
             </a:fld>
             <a:endParaRPr lang="en-US" dirty="0"/>
           </a:p>
@@ -1127,7 +1127,7 @@
           <a:p>
             <a:fld id="{D18B56EA-E28F-4F92-9F16-7A6F2501B303}" type="datetime8">
               <a:rPr lang="en-US" smtClean="0"/>
-              <a:t>1/7/19 3:45 PM</a:t>
+              <a:t>3/8/2019 6:53 PM</a:t>
             </a:fld>
             <a:endParaRPr lang="en-US" dirty="0"/>
           </a:p>
@@ -1470,7 +1470,7 @@
           <a:p>
             <a:fld id="{D18B56EA-E28F-4F92-9F16-7A6F2501B303}" type="datetime8">
               <a:rPr lang="en-US" smtClean="0"/>
-              <a:t>1/7/19 3:45 PM</a:t>
+              <a:t>3/8/2019 6:53 PM</a:t>
             </a:fld>
             <a:endParaRPr lang="en-US" dirty="0"/>
           </a:p>
@@ -1651,7 +1651,7 @@
           <a:p>
             <a:fld id="{D18B56EA-E28F-4F92-9F16-7A6F2501B303}" type="datetime8">
               <a:rPr lang="en-US" smtClean="0"/>
-              <a:t>1/7/19 3:45 PM</a:t>
+              <a:t>3/8/2019 6:53 PM</a:t>
             </a:fld>
             <a:endParaRPr lang="en-US" dirty="0"/>
           </a:p>
@@ -1832,7 +1832,7 @@
           <a:p>
             <a:fld id="{D18B56EA-E28F-4F92-9F16-7A6F2501B303}" type="datetime8">
               <a:rPr lang="en-US" smtClean="0"/>
-              <a:t>1/7/19 3:45 PM</a:t>
+              <a:t>3/8/2019 6:53 PM</a:t>
             </a:fld>
             <a:endParaRPr lang="en-US" dirty="0"/>
           </a:p>
@@ -2013,7 +2013,7 @@
           <a:p>
             <a:fld id="{D18B56EA-E28F-4F92-9F16-7A6F2501B303}" type="datetime8">
               <a:rPr lang="en-US" smtClean="0"/>
-              <a:t>1/7/19 3:45 PM</a:t>
+              <a:t>3/8/2019 6:53 PM</a:t>
             </a:fld>
             <a:endParaRPr lang="en-US" dirty="0"/>
           </a:p>
@@ -14969,7 +14969,7 @@
               <a:rPr lang="en-US" sz="1800" dirty="0">
                 <a:latin typeface="+mj-lt"/>
               </a:rPr>
-              <a:t>SharePoint Framework</a:t>
+              <a:t>Overview of the SharePoint Framework</a:t>
             </a:r>
           </a:p>
           <a:p>
@@ -14988,7 +14988,7 @@
                 <a:latin typeface="+mj-lt"/>
                 <a:hlinkClick r:id="rId3"/>
               </a:rPr>
-              <a:t>https://docs.microsoft.com/sharepoint/dev/spfx</a:t>
+              <a:t>https://docs.microsoft.com/sharepoint/dev/spfx/sharepoint-framework-overview</a:t>
             </a:r>
             <a:endParaRPr lang="en-US" sz="1800" dirty="0">
               <a:latin typeface="+mj-lt"/>

--- a/01 spfx + sp rest api.pptx
+++ b/01 spfx + sp rest api.pptx
@@ -266,7 +266,7 @@
               <a:rPr lang="en-US" smtClean="0">
                 <a:latin typeface="Segoe UI" pitchFamily="34" charset="0"/>
               </a:rPr>
-              <a:t>3/8/2019 6:53 PM</a:t>
+              <a:t>3/4/20 6:15 AM</a:t>
             </a:fld>
             <a:endParaRPr lang="en-US" dirty="0">
               <a:latin typeface="Segoe UI" pitchFamily="34" charset="0"/>
@@ -563,7 +563,7 @@
           <a:p>
             <a:fld id="{D18B56EA-E28F-4F92-9F16-7A6F2501B303}" type="datetime8">
               <a:rPr lang="en-US" smtClean="0"/>
-              <a:t>3/8/2019 6:53 PM</a:t>
+              <a:t>3/4/20 6:15 AM</a:t>
             </a:fld>
             <a:endParaRPr lang="en-US" dirty="0"/>
           </a:p>
@@ -852,6 +852,37 @@
           <a:bodyPr/>
           <a:lstStyle/>
           <a:p>
+            <a:pPr marL="0" marR="0" lvl="0" indent="0" algn="l" defTabSz="932742" rtl="0" eaLnBrk="1" fontAlgn="auto" latinLnBrk="0" hangingPunct="1">
+              <a:lnSpc>
+                <a:spcPct val="90000"/>
+              </a:lnSpc>
+              <a:spcBef>
+                <a:spcPts val="0"/>
+              </a:spcBef>
+              <a:spcAft>
+                <a:spcPts val="340"/>
+              </a:spcAft>
+              <a:buClrTx/>
+              <a:buSzTx/>
+              <a:buFontTx/>
+              <a:buNone/>
+              <a:tabLst/>
+              <a:defRPr/>
+            </a:pPr>
+            <a:r>
+              <a:rPr lang="en-US" sz="900" b="0" kern="1200" dirty="0">
+                <a:solidFill>
+                  <a:schemeClr val="tx1"/>
+                </a:solidFill>
+                <a:effectLst/>
+                <a:latin typeface="Segoe UI Light" pitchFamily="34" charset="0"/>
+                <a:ea typeface="+mn-ea"/>
+                <a:cs typeface="+mn-cs"/>
+              </a:rPr>
+              <a:t>In this unit, you'll learn how to use the SharePoint Framework API to retrieve list data from the SharePoint REST API.</a:t>
+            </a:r>
+          </a:p>
+          <a:p>
             <a:endParaRPr lang="en-US" dirty="0"/>
           </a:p>
         </p:txBody>
@@ -946,7 +977,7 @@
           <a:p>
             <a:fld id="{D18B56EA-E28F-4F92-9F16-7A6F2501B303}" type="datetime8">
               <a:rPr lang="en-US" smtClean="0"/>
-              <a:t>3/8/2019 6:53 PM</a:t>
+              <a:t>3/4/20 10:48 AM</a:t>
             </a:fld>
             <a:endParaRPr lang="en-US" dirty="0"/>
           </a:p>
@@ -980,6 +1011,368 @@
     <p:extLst>
       <p:ext uri="{BB962C8B-B14F-4D97-AF65-F5344CB8AC3E}">
         <p14:creationId xmlns:p14="http://schemas.microsoft.com/office/powerpoint/2010/main" val="909857904"/>
+      </p:ext>
+    </p:extLst>
+  </p:cSld>
+  <p:clrMapOvr>
+    <a:masterClrMapping/>
+  </p:clrMapOvr>
+</p:notes>
+</file>
+
+<file path=ppt/notesSlides/notesSlide10.xml><?xml version="1.0" encoding="utf-8"?>
+<p:notes xmlns:a="http://schemas.openxmlformats.org/drawingml/2006/main" xmlns:r="http://schemas.openxmlformats.org/officeDocument/2006/relationships" xmlns:p="http://schemas.openxmlformats.org/presentationml/2006/main">
+  <p:cSld>
+    <p:spTree>
+      <p:nvGrpSpPr>
+        <p:cNvPr id="1" name=""/>
+        <p:cNvGrpSpPr/>
+        <p:nvPr/>
+      </p:nvGrpSpPr>
+      <p:grpSpPr>
+        <a:xfrm>
+          <a:off x="0" y="0"/>
+          <a:ext cx="0" cy="0"/>
+          <a:chOff x="0" y="0"/>
+          <a:chExt cx="0" cy="0"/>
+        </a:xfrm>
+      </p:grpSpPr>
+      <p:sp>
+        <p:nvSpPr>
+          <p:cNvPr id="2" name="Slide Image Placeholder 1"/>
+          <p:cNvSpPr>
+            <a:spLocks noGrp="1" noRot="1" noChangeAspect="1"/>
+          </p:cNvSpPr>
+          <p:nvPr>
+            <p:ph type="sldImg"/>
+          </p:nvPr>
+        </p:nvSpPr>
+        <p:spPr/>
+      </p:sp>
+      <p:sp>
+        <p:nvSpPr>
+          <p:cNvPr id="3" name="Notes Placeholder 2"/>
+          <p:cNvSpPr>
+            <a:spLocks noGrp="1"/>
+          </p:cNvSpPr>
+          <p:nvPr>
+            <p:ph type="body" idx="1"/>
+          </p:nvPr>
+        </p:nvSpPr>
+        <p:spPr/>
+        <p:txBody>
+          <a:bodyPr/>
+          <a:lstStyle/>
+          <a:p>
+            <a:endParaRPr lang="en-US"/>
+          </a:p>
+        </p:txBody>
+      </p:sp>
+      <p:sp>
+        <p:nvSpPr>
+          <p:cNvPr id="4" name="Header Placeholder 3"/>
+          <p:cNvSpPr>
+            <a:spLocks noGrp="1"/>
+          </p:cNvSpPr>
+          <p:nvPr>
+            <p:ph type="hdr" sz="quarter" idx="10"/>
+          </p:nvPr>
+        </p:nvSpPr>
+        <p:spPr/>
+        <p:txBody>
+          <a:bodyPr/>
+          <a:lstStyle/>
+          <a:p>
+            <a:endParaRPr lang="en-US" dirty="0"/>
+          </a:p>
+        </p:txBody>
+      </p:sp>
+      <p:sp>
+        <p:nvSpPr>
+          <p:cNvPr id="5" name="Footer Placeholder 4"/>
+          <p:cNvSpPr>
+            <a:spLocks noGrp="1"/>
+          </p:cNvSpPr>
+          <p:nvPr>
+            <p:ph type="ftr" sz="quarter" idx="11"/>
+          </p:nvPr>
+        </p:nvSpPr>
+        <p:spPr/>
+        <p:txBody>
+          <a:bodyPr/>
+          <a:lstStyle/>
+          <a:p>
+            <a:pPr defTabSz="914099" eaLnBrk="0" hangingPunct="0"/>
+            <a:r>
+              <a:rPr lang="en-US" sz="400">
+                <a:gradFill>
+                  <a:gsLst>
+                    <a:gs pos="0">
+                      <a:prstClr val="black"/>
+                    </a:gs>
+                    <a:gs pos="100000">
+                      <a:prstClr val="black"/>
+                    </a:gs>
+                  </a:gsLst>
+                  <a:lin ang="5400000" scaled="0"/>
+                </a:gradFill>
+                <a:latin typeface="Segoe UI" pitchFamily="34" charset="0"/>
+                <a:ea typeface="Segoe UI" pitchFamily="34" charset="0"/>
+                <a:cs typeface="Segoe UI" pitchFamily="34" charset="0"/>
+              </a:rPr>
+              <a:t>© Microsoft Corporation. All rights reserved. MICROSOFT MAKES NO WARRANTIES, EXPRESS, IMPLIED OR STATUTORY, AS TO THE INFORMATION IN THIS PRESENTATION.</a:t>
+            </a:r>
+            <a:endParaRPr lang="en-US" sz="400" dirty="0">
+              <a:gradFill>
+                <a:gsLst>
+                  <a:gs pos="0">
+                    <a:prstClr val="black"/>
+                  </a:gs>
+                  <a:gs pos="100000">
+                    <a:prstClr val="black"/>
+                  </a:gs>
+                </a:gsLst>
+                <a:lin ang="5400000" scaled="0"/>
+              </a:gradFill>
+              <a:latin typeface="Segoe UI" pitchFamily="34" charset="0"/>
+              <a:ea typeface="Segoe UI" pitchFamily="34" charset="0"/>
+              <a:cs typeface="Segoe UI" pitchFamily="34" charset="0"/>
+            </a:endParaRPr>
+          </a:p>
+        </p:txBody>
+      </p:sp>
+      <p:sp>
+        <p:nvSpPr>
+          <p:cNvPr id="6" name="Date Placeholder 5"/>
+          <p:cNvSpPr>
+            <a:spLocks noGrp="1"/>
+          </p:cNvSpPr>
+          <p:nvPr>
+            <p:ph type="dt" idx="12"/>
+          </p:nvPr>
+        </p:nvSpPr>
+        <p:spPr/>
+        <p:txBody>
+          <a:bodyPr/>
+          <a:lstStyle/>
+          <a:p>
+            <a:fld id="{D18B56EA-E28F-4F92-9F16-7A6F2501B303}" type="datetime8">
+              <a:rPr lang="en-US" smtClean="0"/>
+              <a:t>3/4/20 6:15 AM</a:t>
+            </a:fld>
+            <a:endParaRPr lang="en-US" dirty="0"/>
+          </a:p>
+        </p:txBody>
+      </p:sp>
+      <p:sp>
+        <p:nvSpPr>
+          <p:cNvPr id="7" name="Slide Number Placeholder 6"/>
+          <p:cNvSpPr>
+            <a:spLocks noGrp="1"/>
+          </p:cNvSpPr>
+          <p:nvPr>
+            <p:ph type="sldNum" sz="quarter" idx="13"/>
+          </p:nvPr>
+        </p:nvSpPr>
+        <p:spPr/>
+        <p:txBody>
+          <a:bodyPr/>
+          <a:lstStyle/>
+          <a:p>
+            <a:fld id="{B4008EB6-D09E-4580-8CD6-DDB14511944F}" type="slidenum">
+              <a:rPr lang="en-US" smtClean="0"/>
+              <a:pPr/>
+              <a:t>11</a:t>
+            </a:fld>
+            <a:endParaRPr lang="en-US" dirty="0"/>
+          </a:p>
+        </p:txBody>
+      </p:sp>
+    </p:spTree>
+    <p:extLst>
+      <p:ext uri="{BB962C8B-B14F-4D97-AF65-F5344CB8AC3E}">
+        <p14:creationId xmlns:p14="http://schemas.microsoft.com/office/powerpoint/2010/main" val="2510823477"/>
+      </p:ext>
+    </p:extLst>
+  </p:cSld>
+  <p:clrMapOvr>
+    <a:masterClrMapping/>
+  </p:clrMapOvr>
+</p:notes>
+</file>
+
+<file path=ppt/notesSlides/notesSlide11.xml><?xml version="1.0" encoding="utf-8"?>
+<p:notes xmlns:a="http://schemas.openxmlformats.org/drawingml/2006/main" xmlns:r="http://schemas.openxmlformats.org/officeDocument/2006/relationships" xmlns:p="http://schemas.openxmlformats.org/presentationml/2006/main">
+  <p:cSld>
+    <p:spTree>
+      <p:nvGrpSpPr>
+        <p:cNvPr id="1" name=""/>
+        <p:cNvGrpSpPr/>
+        <p:nvPr/>
+      </p:nvGrpSpPr>
+      <p:grpSpPr>
+        <a:xfrm>
+          <a:off x="0" y="0"/>
+          <a:ext cx="0" cy="0"/>
+          <a:chOff x="0" y="0"/>
+          <a:chExt cx="0" cy="0"/>
+        </a:xfrm>
+      </p:grpSpPr>
+      <p:sp>
+        <p:nvSpPr>
+          <p:cNvPr id="2" name="Slide Image Placeholder 1"/>
+          <p:cNvSpPr>
+            <a:spLocks noGrp="1" noRot="1" noChangeAspect="1"/>
+          </p:cNvSpPr>
+          <p:nvPr>
+            <p:ph type="sldImg"/>
+          </p:nvPr>
+        </p:nvSpPr>
+        <p:spPr/>
+      </p:sp>
+      <p:sp>
+        <p:nvSpPr>
+          <p:cNvPr id="3" name="Notes Placeholder 2"/>
+          <p:cNvSpPr>
+            <a:spLocks noGrp="1"/>
+          </p:cNvSpPr>
+          <p:nvPr>
+            <p:ph type="body" idx="1"/>
+          </p:nvPr>
+        </p:nvSpPr>
+        <p:spPr/>
+        <p:txBody>
+          <a:bodyPr/>
+          <a:lstStyle/>
+          <a:p>
+            <a:endParaRPr lang="en-US"/>
+          </a:p>
+        </p:txBody>
+      </p:sp>
+      <p:sp>
+        <p:nvSpPr>
+          <p:cNvPr id="4" name="Header Placeholder 3"/>
+          <p:cNvSpPr>
+            <a:spLocks noGrp="1"/>
+          </p:cNvSpPr>
+          <p:nvPr>
+            <p:ph type="hdr" sz="quarter" idx="10"/>
+          </p:nvPr>
+        </p:nvSpPr>
+        <p:spPr/>
+        <p:txBody>
+          <a:bodyPr/>
+          <a:lstStyle/>
+          <a:p>
+            <a:endParaRPr lang="en-US" dirty="0"/>
+          </a:p>
+        </p:txBody>
+      </p:sp>
+      <p:sp>
+        <p:nvSpPr>
+          <p:cNvPr id="5" name="Footer Placeholder 4"/>
+          <p:cNvSpPr>
+            <a:spLocks noGrp="1"/>
+          </p:cNvSpPr>
+          <p:nvPr>
+            <p:ph type="ftr" sz="quarter" idx="11"/>
+          </p:nvPr>
+        </p:nvSpPr>
+        <p:spPr/>
+        <p:txBody>
+          <a:bodyPr/>
+          <a:lstStyle/>
+          <a:p>
+            <a:pPr defTabSz="914099" eaLnBrk="0" hangingPunct="0"/>
+            <a:r>
+              <a:rPr lang="en-US" sz="400">
+                <a:gradFill>
+                  <a:gsLst>
+                    <a:gs pos="0">
+                      <a:prstClr val="black"/>
+                    </a:gs>
+                    <a:gs pos="100000">
+                      <a:prstClr val="black"/>
+                    </a:gs>
+                  </a:gsLst>
+                  <a:lin ang="5400000" scaled="0"/>
+                </a:gradFill>
+                <a:latin typeface="Segoe UI" pitchFamily="34" charset="0"/>
+                <a:ea typeface="Segoe UI" pitchFamily="34" charset="0"/>
+                <a:cs typeface="Segoe UI" pitchFamily="34" charset="0"/>
+              </a:rPr>
+              <a:t>© Microsoft Corporation. All rights reserved. MICROSOFT MAKES NO WARRANTIES, EXPRESS, IMPLIED OR STATUTORY, AS TO THE INFORMATION IN THIS PRESENTATION.</a:t>
+            </a:r>
+            <a:endParaRPr lang="en-US" sz="400" dirty="0">
+              <a:gradFill>
+                <a:gsLst>
+                  <a:gs pos="0">
+                    <a:prstClr val="black"/>
+                  </a:gs>
+                  <a:gs pos="100000">
+                    <a:prstClr val="black"/>
+                  </a:gs>
+                </a:gsLst>
+                <a:lin ang="5400000" scaled="0"/>
+              </a:gradFill>
+              <a:latin typeface="Segoe UI" pitchFamily="34" charset="0"/>
+              <a:ea typeface="Segoe UI" pitchFamily="34" charset="0"/>
+              <a:cs typeface="Segoe UI" pitchFamily="34" charset="0"/>
+            </a:endParaRPr>
+          </a:p>
+        </p:txBody>
+      </p:sp>
+      <p:sp>
+        <p:nvSpPr>
+          <p:cNvPr id="6" name="Date Placeholder 5"/>
+          <p:cNvSpPr>
+            <a:spLocks noGrp="1"/>
+          </p:cNvSpPr>
+          <p:nvPr>
+            <p:ph type="dt" idx="12"/>
+          </p:nvPr>
+        </p:nvSpPr>
+        <p:spPr/>
+        <p:txBody>
+          <a:bodyPr/>
+          <a:lstStyle/>
+          <a:p>
+            <a:fld id="{D18B56EA-E28F-4F92-9F16-7A6F2501B303}" type="datetime8">
+              <a:rPr lang="en-US" smtClean="0"/>
+              <a:t>3/4/20 6:15 AM</a:t>
+            </a:fld>
+            <a:endParaRPr lang="en-US" dirty="0"/>
+          </a:p>
+        </p:txBody>
+      </p:sp>
+      <p:sp>
+        <p:nvSpPr>
+          <p:cNvPr id="7" name="Slide Number Placeholder 6"/>
+          <p:cNvSpPr>
+            <a:spLocks noGrp="1"/>
+          </p:cNvSpPr>
+          <p:nvPr>
+            <p:ph type="sldNum" sz="quarter" idx="13"/>
+          </p:nvPr>
+        </p:nvSpPr>
+        <p:spPr/>
+        <p:txBody>
+          <a:bodyPr/>
+          <a:lstStyle/>
+          <a:p>
+            <a:fld id="{B4008EB6-D09E-4580-8CD6-DDB14511944F}" type="slidenum">
+              <a:rPr lang="en-US" smtClean="0"/>
+              <a:pPr/>
+              <a:t>12</a:t>
+            </a:fld>
+            <a:endParaRPr lang="en-US" dirty="0"/>
+          </a:p>
+        </p:txBody>
+      </p:sp>
+    </p:spTree>
+    <p:extLst>
+      <p:ext uri="{BB962C8B-B14F-4D97-AF65-F5344CB8AC3E}">
+        <p14:creationId xmlns:p14="http://schemas.microsoft.com/office/powerpoint/2010/main" val="1685519606"/>
       </p:ext>
     </p:extLst>
   </p:cSld>
@@ -1127,7 +1520,7 @@
           <a:p>
             <a:fld id="{D18B56EA-E28F-4F92-9F16-7A6F2501B303}" type="datetime8">
               <a:rPr lang="en-US" smtClean="0"/>
-              <a:t>3/8/2019 6:53 PM</a:t>
+              <a:t>3/4/20 6:15 AM</a:t>
             </a:fld>
             <a:endParaRPr lang="en-US" dirty="0"/>
           </a:p>
@@ -1214,7 +1607,44 @@
           <a:bodyPr/>
           <a:lstStyle/>
           <a:p>
+            <a:r>
+              <a:rPr lang="en-US" dirty="0"/>
+              <a:t>The SharePoint REST API is the primary API for accessing data in a SharePoint site. The API is available to both client-side and server side solutions. Client-side solutions mean it is available to SharePoint Framework components and server-side solutions are those that run on a server but external to your SharePoint environment, such as an Azure Function or web app.</a:t>
+            </a:r>
+          </a:p>
+          <a:p>
             <a:endParaRPr lang="en-US" dirty="0"/>
+          </a:p>
+          <a:p>
+            <a:r>
+              <a:rPr lang="en-US" dirty="0"/>
+              <a:t>There are many different SDKs and libraries that developers can use to consume the SharePoint REST API, including the SharePoint client-side object model (CSOM) and the SharePoint Patterns and Practices (PnP) </a:t>
+            </a:r>
+            <a:r>
+              <a:rPr lang="en-US" dirty="0" err="1"/>
+              <a:t>PnPJS</a:t>
+            </a:r>
+            <a:r>
+              <a:rPr lang="en-US" dirty="0"/>
+              <a:t> library.</a:t>
+            </a:r>
+          </a:p>
+          <a:p>
+            <a:endParaRPr lang="en-US" dirty="0"/>
+          </a:p>
+          <a:p>
+            <a:r>
+              <a:rPr lang="en-US" dirty="0"/>
+              <a:t>The SharePoint REST API enables developers to do CRUD-Q operations on data in SharePoint lists and libraries. CRUD-Q stands for create, read, update, delete and query operations. The SharePoint REST API implements both the OData v3 and v4 protocol specification which means you can use an established grammar and parameters to submit your requests that are returned in a predictable format. By default, the SharePoint REST API will expect requests to be submitted, and returned, using the OData v3 format. Developers can change this behavior by overwriting the **</a:t>
+            </a:r>
+            <a:r>
+              <a:rPr lang="en-US" dirty="0" err="1"/>
+              <a:t>odata</a:t>
+            </a:r>
+            <a:r>
+              <a:rPr lang="en-US" dirty="0"/>
+              <a:t>-version** HTTP request header and setting it to **4** to use the OData v4 format. The SharePoint Framework does this automatically with a default configuration.</a:t>
+            </a:r>
           </a:p>
         </p:txBody>
       </p:sp>
@@ -1376,6 +1806,30 @@
           <a:bodyPr/>
           <a:lstStyle/>
           <a:p>
+            <a:r>
+              <a:rPr lang="en-US" dirty="0"/>
+              <a:t>The SharePoint REST API will validate your identity and permissions with each request so you must include authorization details when you submit a request to the SharePoint REST API. Each request is authorized by including an `authorization` HTTP request header that contains an OAuth2 bearer token. This token is provided by Azure AD after a successful authentication and granting the necessary permissions to the app that's accessing the SharePoint REST API. This authorization token is required when you submit a request to the SharePoint REST API from off the SharePoint server.</a:t>
+            </a:r>
+          </a:p>
+          <a:p>
+            <a:endParaRPr lang="en-US" dirty="0"/>
+          </a:p>
+          <a:p>
+            <a:r>
+              <a:rPr lang="en-US" dirty="0"/>
+              <a:t>When you submit a request from a client-side script running on a SharePoint page, the authorization token is not required. That's because each request from the SharePoint site will include a cookie that was added to your browser session when you logged into the SharePoint site. This cookie is used because the SharePoint REST API is available from the SharePoint site which is in the same domain as the page that hosts your client-side script is sent from.</a:t>
+            </a:r>
+          </a:p>
+          <a:p>
+            <a:endParaRPr lang="en-US" dirty="0"/>
+          </a:p>
+          <a:p>
+            <a:r>
+              <a:rPr lang="en-US" dirty="0"/>
+              <a:t>HTTP request headers are used not just for authorization, but to control the OData protocol version the SharePoint REST API uses, how much metadata is returned in each request and many other things. For example, when updating or deleting a request, you can include the `if-match` HTTP request header to verify the item you want to update or delete is the same version on the server that your application expects it to be. This header enables developers to ensure they aren't in a "last update wins" scenario.</a:t>
+            </a:r>
+          </a:p>
+          <a:p>
             <a:endParaRPr lang="en-US" dirty="0"/>
           </a:p>
         </p:txBody>
@@ -1387,7 +1841,7 @@
             <a:spLocks noGrp="1"/>
           </p:cNvSpPr>
           <p:nvPr>
-            <p:ph type="hdr" sz="quarter" idx="10"/>
+            <p:ph type="hdr" sz="quarter"/>
           </p:nvPr>
         </p:nvSpPr>
         <p:spPr/>
@@ -1395,6 +1849,10 @@
           <a:bodyPr/>
           <a:lstStyle/>
           <a:p>
+            <a:r>
+              <a:rPr lang="en-US"/>
+              <a:t>SharePoint Framework</a:t>
+            </a:r>
             <a:endParaRPr lang="en-US" dirty="0"/>
           </a:p>
         </p:txBody>
@@ -1406,7 +1864,7 @@
             <a:spLocks noGrp="1"/>
           </p:cNvSpPr>
           <p:nvPr>
-            <p:ph type="ftr" sz="quarter" idx="11"/>
+            <p:ph type="ftr" sz="quarter" idx="4"/>
           </p:nvPr>
         </p:nvSpPr>
         <p:spPr/>
@@ -1460,7 +1918,7 @@
             <a:spLocks noGrp="1"/>
           </p:cNvSpPr>
           <p:nvPr>
-            <p:ph type="dt" idx="12"/>
+            <p:ph type="dt" idx="1"/>
           </p:nvPr>
         </p:nvSpPr>
         <p:spPr/>
@@ -1470,7 +1928,7 @@
           <a:p>
             <a:fld id="{D18B56EA-E28F-4F92-9F16-7A6F2501B303}" type="datetime8">
               <a:rPr lang="en-US" smtClean="0"/>
-              <a:t>3/8/2019 6:53 PM</a:t>
+              <a:t>3/4/20 3:02 PM</a:t>
             </a:fld>
             <a:endParaRPr lang="en-US" dirty="0"/>
           </a:p>
@@ -1483,7 +1941,7 @@
             <a:spLocks noGrp="1"/>
           </p:cNvSpPr>
           <p:nvPr>
-            <p:ph type="sldNum" sz="quarter" idx="13"/>
+            <p:ph type="sldNum" sz="quarter" idx="5"/>
           </p:nvPr>
         </p:nvSpPr>
         <p:spPr/>
@@ -1494,7 +1952,7 @@
             <a:fld id="{B4008EB6-D09E-4580-8CD6-DDB14511944F}" type="slidenum">
               <a:rPr lang="en-US" smtClean="0"/>
               <a:pPr/>
-              <a:t>8</a:t>
+              <a:t>4</a:t>
             </a:fld>
             <a:endParaRPr lang="en-US" dirty="0"/>
           </a:p>
@@ -1503,7 +1961,7 @@
     </p:spTree>
     <p:extLst>
       <p:ext uri="{BB962C8B-B14F-4D97-AF65-F5344CB8AC3E}">
-        <p14:creationId xmlns:p14="http://schemas.microsoft.com/office/powerpoint/2010/main" val="1143990261"/>
+        <p14:creationId xmlns:p14="http://schemas.microsoft.com/office/powerpoint/2010/main" val="247802173"/>
       </p:ext>
     </p:extLst>
   </p:cSld>
@@ -1557,6 +2015,99 @@
           <a:bodyPr/>
           <a:lstStyle/>
           <a:p>
+            <a:r>
+              <a:rPr lang="en-US" dirty="0"/>
+              <a:t>Here is an example of what an OData request looks like:</a:t>
+            </a:r>
+          </a:p>
+          <a:p>
+            <a:endParaRPr lang="en-US" dirty="0"/>
+          </a:p>
+          <a:p>
+            <a:r>
+              <a:rPr lang="en-US" dirty="0"/>
+              <a:t>The SharePoint REST API starts with the **_</a:t>
+            </a:r>
+            <a:r>
+              <a:rPr lang="en-US" dirty="0" err="1"/>
+              <a:t>api</a:t>
+            </a:r>
+            <a:r>
+              <a:rPr lang="en-US" dirty="0"/>
+              <a:t>** endpoint. The remainder of the path portion of the URL, **web/lists/</a:t>
+            </a:r>
+            <a:r>
+              <a:rPr lang="en-US" dirty="0" err="1"/>
+              <a:t>getbytitle</a:t>
+            </a:r>
+            <a:r>
+              <a:rPr lang="en-US" dirty="0"/>
+              <a:t>('Countries')/items** in this example, is used to reference a specific resource. In this example, the items in the **Countries** list in the current SharePoint site are returned.</a:t>
+            </a:r>
+          </a:p>
+          <a:p>
+            <a:endParaRPr lang="en-US" dirty="0"/>
+          </a:p>
+          <a:p>
+            <a:r>
+              <a:rPr lang="en-US" dirty="0"/>
+              <a:t>Notice the parameters prefixed with a `$` in the query string of the URL. These are *OData query operators*. OData query operators are used to control how much data is returned in each query. </a:t>
+            </a:r>
+          </a:p>
+          <a:p>
+            <a:endParaRPr lang="en-US" dirty="0"/>
+          </a:p>
+          <a:p>
+            <a:r>
+              <a:rPr lang="en-US" dirty="0"/>
+              <a:t>The `$select` query operator is used to tell the SharePoint REST API to only return specific fields for the items collection. Without the `$select` operator, a default collection of properties are returned.</a:t>
+            </a:r>
+          </a:p>
+          <a:p>
+            <a:endParaRPr lang="en-US" dirty="0"/>
+          </a:p>
+          <a:p>
+            <a:r>
+              <a:rPr lang="en-US" dirty="0"/>
+              <a:t>The `$filter` query operator is used to include only a subset of items from the list.</a:t>
+            </a:r>
+          </a:p>
+          <a:p>
+            <a:endParaRPr lang="en-US" dirty="0"/>
+          </a:p>
+          <a:p>
+            <a:r>
+              <a:rPr lang="en-US" dirty="0"/>
+              <a:t>The `$</a:t>
+            </a:r>
+            <a:r>
+              <a:rPr lang="en-US" dirty="0" err="1"/>
+              <a:t>orderby</a:t>
+            </a:r>
+            <a:r>
+              <a:rPr lang="en-US" dirty="0"/>
+              <a:t>` query operator allows developers to specify the field to sort the results on and the direction of the sort operation.</a:t>
+            </a:r>
+          </a:p>
+          <a:p>
+            <a:endParaRPr lang="en-US" dirty="0"/>
+          </a:p>
+          <a:p>
+            <a:r>
+              <a:rPr lang="en-US" dirty="0"/>
+              <a:t>Finally, the `$top` query operator is used to only select a subset of the results in the query.</a:t>
+            </a:r>
+          </a:p>
+          <a:p>
+            <a:endParaRPr lang="en-US" dirty="0"/>
+          </a:p>
+          <a:p>
+            <a:r>
+              <a:rPr lang="en-US" dirty="0"/>
+              <a:t>In this example, the last item in the list that has a title of **United States** is returned in the response and it only includes the **ID** and **Title** properties.</a:t>
+            </a:r>
+          </a:p>
+          <a:p>
             <a:endParaRPr lang="en-US" dirty="0"/>
           </a:p>
         </p:txBody>
@@ -1568,7 +2119,7 @@
             <a:spLocks noGrp="1"/>
           </p:cNvSpPr>
           <p:nvPr>
-            <p:ph type="hdr" sz="quarter" idx="10"/>
+            <p:ph type="hdr" sz="quarter"/>
           </p:nvPr>
         </p:nvSpPr>
         <p:spPr/>
@@ -1576,6 +2127,10 @@
           <a:bodyPr/>
           <a:lstStyle/>
           <a:p>
+            <a:r>
+              <a:rPr lang="en-US"/>
+              <a:t>SharePoint Framework</a:t>
+            </a:r>
             <a:endParaRPr lang="en-US" dirty="0"/>
           </a:p>
         </p:txBody>
@@ -1587,7 +2142,7 @@
             <a:spLocks noGrp="1"/>
           </p:cNvSpPr>
           <p:nvPr>
-            <p:ph type="ftr" sz="quarter" idx="11"/>
+            <p:ph type="ftr" sz="quarter" idx="4"/>
           </p:nvPr>
         </p:nvSpPr>
         <p:spPr/>
@@ -1641,7 +2196,7 @@
             <a:spLocks noGrp="1"/>
           </p:cNvSpPr>
           <p:nvPr>
-            <p:ph type="dt" idx="12"/>
+            <p:ph type="dt" idx="1"/>
           </p:nvPr>
         </p:nvSpPr>
         <p:spPr/>
@@ -1651,7 +2206,7 @@
           <a:p>
             <a:fld id="{D18B56EA-E28F-4F92-9F16-7A6F2501B303}" type="datetime8">
               <a:rPr lang="en-US" smtClean="0"/>
-              <a:t>3/8/2019 6:53 PM</a:t>
+              <a:t>3/4/20 3:10 PM</a:t>
             </a:fld>
             <a:endParaRPr lang="en-US" dirty="0"/>
           </a:p>
@@ -1664,7 +2219,7 @@
             <a:spLocks noGrp="1"/>
           </p:cNvSpPr>
           <p:nvPr>
-            <p:ph type="sldNum" sz="quarter" idx="13"/>
+            <p:ph type="sldNum" sz="quarter" idx="5"/>
           </p:nvPr>
         </p:nvSpPr>
         <p:spPr/>
@@ -1675,7 +2230,7 @@
             <a:fld id="{B4008EB6-D09E-4580-8CD6-DDB14511944F}" type="slidenum">
               <a:rPr lang="en-US" smtClean="0"/>
               <a:pPr/>
-              <a:t>10</a:t>
+              <a:t>5</a:t>
             </a:fld>
             <a:endParaRPr lang="en-US" dirty="0"/>
           </a:p>
@@ -1684,7 +2239,7 @@
     </p:spTree>
     <p:extLst>
       <p:ext uri="{BB962C8B-B14F-4D97-AF65-F5344CB8AC3E}">
-        <p14:creationId xmlns:p14="http://schemas.microsoft.com/office/powerpoint/2010/main" val="3282806226"/>
+        <p14:creationId xmlns:p14="http://schemas.microsoft.com/office/powerpoint/2010/main" val="2862418051"/>
       </p:ext>
     </p:extLst>
   </p:cSld>
@@ -1738,7 +2293,79 @@
           <a:bodyPr/>
           <a:lstStyle/>
           <a:p>
-            <a:endParaRPr lang="en-US"/>
+            <a:r>
+              <a:rPr lang="en-US" dirty="0"/>
+              <a:t>The SharePoint Framework includes an API that simplifies submitting request to the SharePoint REST API. The `</a:t>
+            </a:r>
+            <a:r>
+              <a:rPr lang="en-US" dirty="0" err="1"/>
+              <a:t>SPHttpClient</a:t>
+            </a:r>
+            <a:r>
+              <a:rPr lang="en-US" dirty="0"/>
+              <a:t>` API is available in all SharePoint Framework solutions on the `context` object. The `</a:t>
+            </a:r>
+            <a:r>
+              <a:rPr lang="en-US" dirty="0" err="1"/>
+              <a:t>SPHttpClient</a:t>
+            </a:r>
+            <a:r>
+              <a:rPr lang="en-US" dirty="0"/>
+              <a:t>` extends the to the `</a:t>
+            </a:r>
+            <a:r>
+              <a:rPr lang="en-US" dirty="0" err="1"/>
+              <a:t>HttpClient</a:t>
+            </a:r>
+            <a:r>
+              <a:rPr lang="en-US" dirty="0"/>
+              <a:t>` API which is a wrapper to the Fetch API included in all modern browsers and includes a </a:t>
+            </a:r>
+            <a:r>
+              <a:rPr lang="en-US" dirty="0" err="1"/>
+              <a:t>polyfill</a:t>
+            </a:r>
+            <a:r>
+              <a:rPr lang="en-US" dirty="0"/>
+              <a:t> for older browsers that don't support the Fetch API.</a:t>
+            </a:r>
+          </a:p>
+          <a:p>
+            <a:endParaRPr lang="en-US" dirty="0"/>
+          </a:p>
+          <a:p>
+            <a:r>
+              <a:rPr lang="en-US" dirty="0"/>
+              <a:t>The `</a:t>
+            </a:r>
+            <a:r>
+              <a:rPr lang="en-US" dirty="0" err="1"/>
+              <a:t>HttpClient</a:t>
+            </a:r>
+            <a:r>
+              <a:rPr lang="en-US" dirty="0"/>
+              <a:t>` is also included in the SharePoint Framework API. Developers can use it to submit HTTP requests to any REST API.</a:t>
+            </a:r>
+          </a:p>
+          <a:p>
+            <a:endParaRPr lang="en-US" dirty="0"/>
+          </a:p>
+          <a:p>
+            <a:r>
+              <a:rPr lang="en-US" dirty="0"/>
+              <a:t>The `</a:t>
+            </a:r>
+            <a:r>
+              <a:rPr lang="en-US" dirty="0" err="1"/>
+              <a:t>SPHttpClient</a:t>
+            </a:r>
+            <a:r>
+              <a:rPr lang="en-US" dirty="0"/>
+              <a:t>` API automatically configures the HTTP request with the required HTTP request headers, including setting the SharePoint REST API OData version to v4 and configuring the response to only include minimal metadata for each item returned.</a:t>
+            </a:r>
+          </a:p>
+          <a:p>
+            <a:endParaRPr lang="en-US" dirty="0"/>
           </a:p>
         </p:txBody>
       </p:sp>
@@ -1749,7 +2376,7 @@
             <a:spLocks noGrp="1"/>
           </p:cNvSpPr>
           <p:nvPr>
-            <p:ph type="hdr" sz="quarter" idx="10"/>
+            <p:ph type="hdr" sz="quarter"/>
           </p:nvPr>
         </p:nvSpPr>
         <p:spPr/>
@@ -1757,6 +2384,10 @@
           <a:bodyPr/>
           <a:lstStyle/>
           <a:p>
+            <a:r>
+              <a:rPr lang="en-US"/>
+              <a:t>SharePoint Framework</a:t>
+            </a:r>
             <a:endParaRPr lang="en-US" dirty="0"/>
           </a:p>
         </p:txBody>
@@ -1768,7 +2399,7 @@
             <a:spLocks noGrp="1"/>
           </p:cNvSpPr>
           <p:nvPr>
-            <p:ph type="ftr" sz="quarter" idx="11"/>
+            <p:ph type="ftr" sz="quarter" idx="4"/>
           </p:nvPr>
         </p:nvSpPr>
         <p:spPr/>
@@ -1822,7 +2453,7 @@
             <a:spLocks noGrp="1"/>
           </p:cNvSpPr>
           <p:nvPr>
-            <p:ph type="dt" idx="12"/>
+            <p:ph type="dt" idx="1"/>
           </p:nvPr>
         </p:nvSpPr>
         <p:spPr/>
@@ -1832,7 +2463,7 @@
           <a:p>
             <a:fld id="{D18B56EA-E28F-4F92-9F16-7A6F2501B303}" type="datetime8">
               <a:rPr lang="en-US" smtClean="0"/>
-              <a:t>3/8/2019 6:53 PM</a:t>
+              <a:t>3/4/20 3:22 PM</a:t>
             </a:fld>
             <a:endParaRPr lang="en-US" dirty="0"/>
           </a:p>
@@ -1845,7 +2476,7 @@
             <a:spLocks noGrp="1"/>
           </p:cNvSpPr>
           <p:nvPr>
-            <p:ph type="sldNum" sz="quarter" idx="13"/>
+            <p:ph type="sldNum" sz="quarter" idx="5"/>
           </p:nvPr>
         </p:nvSpPr>
         <p:spPr/>
@@ -1856,7 +2487,7 @@
             <a:fld id="{B4008EB6-D09E-4580-8CD6-DDB14511944F}" type="slidenum">
               <a:rPr lang="en-US" smtClean="0"/>
               <a:pPr/>
-              <a:t>11</a:t>
+              <a:t>6</a:t>
             </a:fld>
             <a:endParaRPr lang="en-US" dirty="0"/>
           </a:p>
@@ -1865,7 +2496,7 @@
     </p:spTree>
     <p:extLst>
       <p:ext uri="{BB962C8B-B14F-4D97-AF65-F5344CB8AC3E}">
-        <p14:creationId xmlns:p14="http://schemas.microsoft.com/office/powerpoint/2010/main" val="2510823477"/>
+        <p14:creationId xmlns:p14="http://schemas.microsoft.com/office/powerpoint/2010/main" val="1979485809"/>
       </p:ext>
     </p:extLst>
   </p:cSld>
@@ -1919,7 +2550,39 @@
           <a:bodyPr/>
           <a:lstStyle/>
           <a:p>
-            <a:endParaRPr lang="en-US"/>
+            <a:r>
+              <a:rPr lang="en-US" dirty="0"/>
+              <a:t>To submit a request to the SharePoint REST API, use the `</a:t>
+            </a:r>
+            <a:r>
+              <a:rPr lang="en-US" dirty="0" err="1"/>
+              <a:t>spHttpClient</a:t>
+            </a:r>
+            <a:r>
+              <a:rPr lang="en-US" dirty="0"/>
+              <a:t>` object on the current component's `context` object. You'll use either the `get()` or `post()` method to submit either an HTTP GET or HTTP POST request.</a:t>
+            </a:r>
+          </a:p>
+          <a:p>
+            <a:endParaRPr lang="en-US" dirty="0"/>
+          </a:p>
+          <a:p>
+            <a:r>
+              <a:rPr lang="en-US" dirty="0"/>
+              <a:t>The first parameter of the request is the SharePoint REST API endpoint you want to request. The second parameter is the configuration to use. The configuration is what sets the HTTP request headers previously mentioned. There is an optional third argument you can pass in that enables developers to override the default configuration settings, for example if you want full metadata or no metadata in the response.</a:t>
+            </a:r>
+          </a:p>
+          <a:p>
+            <a:endParaRPr lang="en-US" dirty="0"/>
+          </a:p>
+          <a:p>
+            <a:r>
+              <a:rPr lang="en-US" dirty="0"/>
+              <a:t>The `get()` and `post()` methods return a JavaScript promise that you can examine the HTTP response headers or the status code of the request. If the response body contains JSON, you can call the `json()` method which also returns a promise containing the parsed body turned as a JSON object.</a:t>
+            </a:r>
+          </a:p>
+          <a:p>
+            <a:endParaRPr lang="en-US" dirty="0"/>
           </a:p>
         </p:txBody>
       </p:sp>
@@ -1930,7 +2593,7 @@
             <a:spLocks noGrp="1"/>
           </p:cNvSpPr>
           <p:nvPr>
-            <p:ph type="hdr" sz="quarter" idx="10"/>
+            <p:ph type="hdr" sz="quarter"/>
           </p:nvPr>
         </p:nvSpPr>
         <p:spPr/>
@@ -1938,6 +2601,10 @@
           <a:bodyPr/>
           <a:lstStyle/>
           <a:p>
+            <a:r>
+              <a:rPr lang="en-US"/>
+              <a:t>SharePoint Framework</a:t>
+            </a:r>
             <a:endParaRPr lang="en-US" dirty="0"/>
           </a:p>
         </p:txBody>
@@ -1949,7 +2616,7 @@
             <a:spLocks noGrp="1"/>
           </p:cNvSpPr>
           <p:nvPr>
-            <p:ph type="ftr" sz="quarter" idx="11"/>
+            <p:ph type="ftr" sz="quarter" idx="4"/>
           </p:nvPr>
         </p:nvSpPr>
         <p:spPr/>
@@ -2003,7 +2670,7 @@
             <a:spLocks noGrp="1"/>
           </p:cNvSpPr>
           <p:nvPr>
-            <p:ph type="dt" idx="12"/>
+            <p:ph type="dt" idx="1"/>
           </p:nvPr>
         </p:nvSpPr>
         <p:spPr/>
@@ -2013,7 +2680,188 @@
           <a:p>
             <a:fld id="{D18B56EA-E28F-4F92-9F16-7A6F2501B303}" type="datetime8">
               <a:rPr lang="en-US" smtClean="0"/>
-              <a:t>3/8/2019 6:53 PM</a:t>
+              <a:t>3/4/20 3:26 PM</a:t>
+            </a:fld>
+            <a:endParaRPr lang="en-US" dirty="0"/>
+          </a:p>
+        </p:txBody>
+      </p:sp>
+      <p:sp>
+        <p:nvSpPr>
+          <p:cNvPr id="7" name="Slide Number Placeholder 6"/>
+          <p:cNvSpPr>
+            <a:spLocks noGrp="1"/>
+          </p:cNvSpPr>
+          <p:nvPr>
+            <p:ph type="sldNum" sz="quarter" idx="5"/>
+          </p:nvPr>
+        </p:nvSpPr>
+        <p:spPr/>
+        <p:txBody>
+          <a:bodyPr/>
+          <a:lstStyle/>
+          <a:p>
+            <a:fld id="{B4008EB6-D09E-4580-8CD6-DDB14511944F}" type="slidenum">
+              <a:rPr lang="en-US" smtClean="0"/>
+              <a:pPr/>
+              <a:t>7</a:t>
+            </a:fld>
+            <a:endParaRPr lang="en-US" dirty="0"/>
+          </a:p>
+        </p:txBody>
+      </p:sp>
+    </p:spTree>
+    <p:extLst>
+      <p:ext uri="{BB962C8B-B14F-4D97-AF65-F5344CB8AC3E}">
+        <p14:creationId xmlns:p14="http://schemas.microsoft.com/office/powerpoint/2010/main" val="2749763515"/>
+      </p:ext>
+    </p:extLst>
+  </p:cSld>
+  <p:clrMapOvr>
+    <a:masterClrMapping/>
+  </p:clrMapOvr>
+</p:notes>
+</file>
+
+<file path=ppt/notesSlides/notesSlide8.xml><?xml version="1.0" encoding="utf-8"?>
+<p:notes xmlns:a="http://schemas.openxmlformats.org/drawingml/2006/main" xmlns:r="http://schemas.openxmlformats.org/officeDocument/2006/relationships" xmlns:p="http://schemas.openxmlformats.org/presentationml/2006/main">
+  <p:cSld>
+    <p:spTree>
+      <p:nvGrpSpPr>
+        <p:cNvPr id="1" name=""/>
+        <p:cNvGrpSpPr/>
+        <p:nvPr/>
+      </p:nvGrpSpPr>
+      <p:grpSpPr>
+        <a:xfrm>
+          <a:off x="0" y="0"/>
+          <a:ext cx="0" cy="0"/>
+          <a:chOff x="0" y="0"/>
+          <a:chExt cx="0" cy="0"/>
+        </a:xfrm>
+      </p:grpSpPr>
+      <p:sp>
+        <p:nvSpPr>
+          <p:cNvPr id="2" name="Slide Image Placeholder 1"/>
+          <p:cNvSpPr>
+            <a:spLocks noGrp="1" noRot="1" noChangeAspect="1"/>
+          </p:cNvSpPr>
+          <p:nvPr>
+            <p:ph type="sldImg"/>
+          </p:nvPr>
+        </p:nvSpPr>
+        <p:spPr/>
+      </p:sp>
+      <p:sp>
+        <p:nvSpPr>
+          <p:cNvPr id="3" name="Notes Placeholder 2"/>
+          <p:cNvSpPr>
+            <a:spLocks noGrp="1"/>
+          </p:cNvSpPr>
+          <p:nvPr>
+            <p:ph type="body" idx="1"/>
+          </p:nvPr>
+        </p:nvSpPr>
+        <p:spPr/>
+        <p:txBody>
+          <a:bodyPr/>
+          <a:lstStyle/>
+          <a:p>
+            <a:endParaRPr lang="en-US" dirty="0"/>
+          </a:p>
+        </p:txBody>
+      </p:sp>
+      <p:sp>
+        <p:nvSpPr>
+          <p:cNvPr id="4" name="Header Placeholder 3"/>
+          <p:cNvSpPr>
+            <a:spLocks noGrp="1"/>
+          </p:cNvSpPr>
+          <p:nvPr>
+            <p:ph type="hdr" sz="quarter" idx="10"/>
+          </p:nvPr>
+        </p:nvSpPr>
+        <p:spPr/>
+        <p:txBody>
+          <a:bodyPr/>
+          <a:lstStyle/>
+          <a:p>
+            <a:endParaRPr lang="en-US" dirty="0"/>
+          </a:p>
+        </p:txBody>
+      </p:sp>
+      <p:sp>
+        <p:nvSpPr>
+          <p:cNvPr id="5" name="Footer Placeholder 4"/>
+          <p:cNvSpPr>
+            <a:spLocks noGrp="1"/>
+          </p:cNvSpPr>
+          <p:nvPr>
+            <p:ph type="ftr" sz="quarter" idx="11"/>
+          </p:nvPr>
+        </p:nvSpPr>
+        <p:spPr/>
+        <p:txBody>
+          <a:bodyPr/>
+          <a:lstStyle/>
+          <a:p>
+            <a:pPr defTabSz="914099" eaLnBrk="0" hangingPunct="0"/>
+            <a:r>
+              <a:rPr lang="en-US" sz="400">
+                <a:gradFill>
+                  <a:gsLst>
+                    <a:gs pos="0">
+                      <a:prstClr val="black"/>
+                    </a:gs>
+                    <a:gs pos="100000">
+                      <a:prstClr val="black"/>
+                    </a:gs>
+                  </a:gsLst>
+                  <a:lin ang="5400000" scaled="0"/>
+                </a:gradFill>
+                <a:latin typeface="Segoe UI" pitchFamily="34" charset="0"/>
+                <a:ea typeface="Segoe UI" pitchFamily="34" charset="0"/>
+                <a:cs typeface="Segoe UI" pitchFamily="34" charset="0"/>
+              </a:rPr>
+              <a:t>© Microsoft Corporation. All rights reserved. MICROSOFT MAKES NO WARRANTIES, EXPRESS, IMPLIED OR STATUTORY, AS TO THE INFORMATION IN THIS PRESENTATION.</a:t>
+            </a:r>
+            <a:endParaRPr lang="en-US" sz="400" dirty="0">
+              <a:gradFill>
+                <a:gsLst>
+                  <a:gs pos="0">
+                    <a:prstClr val="black"/>
+                  </a:gs>
+                  <a:gs pos="100000">
+                    <a:prstClr val="black"/>
+                  </a:gs>
+                </a:gsLst>
+                <a:lin ang="5400000" scaled="0"/>
+              </a:gradFill>
+              <a:latin typeface="Segoe UI" pitchFamily="34" charset="0"/>
+              <a:ea typeface="Segoe UI" pitchFamily="34" charset="0"/>
+              <a:cs typeface="Segoe UI" pitchFamily="34" charset="0"/>
+            </a:endParaRPr>
+          </a:p>
+        </p:txBody>
+      </p:sp>
+      <p:sp>
+        <p:nvSpPr>
+          <p:cNvPr id="6" name="Date Placeholder 5"/>
+          <p:cNvSpPr>
+            <a:spLocks noGrp="1"/>
+          </p:cNvSpPr>
+          <p:nvPr>
+            <p:ph type="dt" idx="12"/>
+          </p:nvPr>
+        </p:nvSpPr>
+        <p:spPr/>
+        <p:txBody>
+          <a:bodyPr/>
+          <a:lstStyle/>
+          <a:p>
+            <a:fld id="{D18B56EA-E28F-4F92-9F16-7A6F2501B303}" type="datetime8">
+              <a:rPr lang="en-US" smtClean="0"/>
+              <a:t>3/4/20 6:15 AM</a:t>
             </a:fld>
             <a:endParaRPr lang="en-US" dirty="0"/>
           </a:p>
@@ -2037,7 +2885,7 @@
             <a:fld id="{B4008EB6-D09E-4580-8CD6-DDB14511944F}" type="slidenum">
               <a:rPr lang="en-US" smtClean="0"/>
               <a:pPr/>
-              <a:t>12</a:t>
+              <a:t>8</a:t>
             </a:fld>
             <a:endParaRPr lang="en-US" dirty="0"/>
           </a:p>
@@ -2046,7 +2894,188 @@
     </p:spTree>
     <p:extLst>
       <p:ext uri="{BB962C8B-B14F-4D97-AF65-F5344CB8AC3E}">
-        <p14:creationId xmlns:p14="http://schemas.microsoft.com/office/powerpoint/2010/main" val="1685519606"/>
+        <p14:creationId xmlns:p14="http://schemas.microsoft.com/office/powerpoint/2010/main" val="1143990261"/>
+      </p:ext>
+    </p:extLst>
+  </p:cSld>
+  <p:clrMapOvr>
+    <a:masterClrMapping/>
+  </p:clrMapOvr>
+</p:notes>
+</file>
+
+<file path=ppt/notesSlides/notesSlide9.xml><?xml version="1.0" encoding="utf-8"?>
+<p:notes xmlns:a="http://schemas.openxmlformats.org/drawingml/2006/main" xmlns:r="http://schemas.openxmlformats.org/officeDocument/2006/relationships" xmlns:p="http://schemas.openxmlformats.org/presentationml/2006/main">
+  <p:cSld>
+    <p:spTree>
+      <p:nvGrpSpPr>
+        <p:cNvPr id="1" name=""/>
+        <p:cNvGrpSpPr/>
+        <p:nvPr/>
+      </p:nvGrpSpPr>
+      <p:grpSpPr>
+        <a:xfrm>
+          <a:off x="0" y="0"/>
+          <a:ext cx="0" cy="0"/>
+          <a:chOff x="0" y="0"/>
+          <a:chExt cx="0" cy="0"/>
+        </a:xfrm>
+      </p:grpSpPr>
+      <p:sp>
+        <p:nvSpPr>
+          <p:cNvPr id="2" name="Slide Image Placeholder 1"/>
+          <p:cNvSpPr>
+            <a:spLocks noGrp="1" noRot="1" noChangeAspect="1"/>
+          </p:cNvSpPr>
+          <p:nvPr>
+            <p:ph type="sldImg"/>
+          </p:nvPr>
+        </p:nvSpPr>
+        <p:spPr/>
+      </p:sp>
+      <p:sp>
+        <p:nvSpPr>
+          <p:cNvPr id="3" name="Notes Placeholder 2"/>
+          <p:cNvSpPr>
+            <a:spLocks noGrp="1"/>
+          </p:cNvSpPr>
+          <p:nvPr>
+            <p:ph type="body" idx="1"/>
+          </p:nvPr>
+        </p:nvSpPr>
+        <p:spPr/>
+        <p:txBody>
+          <a:bodyPr/>
+          <a:lstStyle/>
+          <a:p>
+            <a:endParaRPr lang="en-US" dirty="0"/>
+          </a:p>
+        </p:txBody>
+      </p:sp>
+      <p:sp>
+        <p:nvSpPr>
+          <p:cNvPr id="4" name="Header Placeholder 3"/>
+          <p:cNvSpPr>
+            <a:spLocks noGrp="1"/>
+          </p:cNvSpPr>
+          <p:nvPr>
+            <p:ph type="hdr" sz="quarter" idx="10"/>
+          </p:nvPr>
+        </p:nvSpPr>
+        <p:spPr/>
+        <p:txBody>
+          <a:bodyPr/>
+          <a:lstStyle/>
+          <a:p>
+            <a:endParaRPr lang="en-US" dirty="0"/>
+          </a:p>
+        </p:txBody>
+      </p:sp>
+      <p:sp>
+        <p:nvSpPr>
+          <p:cNvPr id="5" name="Footer Placeholder 4"/>
+          <p:cNvSpPr>
+            <a:spLocks noGrp="1"/>
+          </p:cNvSpPr>
+          <p:nvPr>
+            <p:ph type="ftr" sz="quarter" idx="11"/>
+          </p:nvPr>
+        </p:nvSpPr>
+        <p:spPr/>
+        <p:txBody>
+          <a:bodyPr/>
+          <a:lstStyle/>
+          <a:p>
+            <a:pPr defTabSz="914099" eaLnBrk="0" hangingPunct="0"/>
+            <a:r>
+              <a:rPr lang="en-US" sz="400">
+                <a:gradFill>
+                  <a:gsLst>
+                    <a:gs pos="0">
+                      <a:prstClr val="black"/>
+                    </a:gs>
+                    <a:gs pos="100000">
+                      <a:prstClr val="black"/>
+                    </a:gs>
+                  </a:gsLst>
+                  <a:lin ang="5400000" scaled="0"/>
+                </a:gradFill>
+                <a:latin typeface="Segoe UI" pitchFamily="34" charset="0"/>
+                <a:ea typeface="Segoe UI" pitchFamily="34" charset="0"/>
+                <a:cs typeface="Segoe UI" pitchFamily="34" charset="0"/>
+              </a:rPr>
+              <a:t>© Microsoft Corporation. All rights reserved. MICROSOFT MAKES NO WARRANTIES, EXPRESS, IMPLIED OR STATUTORY, AS TO THE INFORMATION IN THIS PRESENTATION.</a:t>
+            </a:r>
+            <a:endParaRPr lang="en-US" sz="400" dirty="0">
+              <a:gradFill>
+                <a:gsLst>
+                  <a:gs pos="0">
+                    <a:prstClr val="black"/>
+                  </a:gs>
+                  <a:gs pos="100000">
+                    <a:prstClr val="black"/>
+                  </a:gs>
+                </a:gsLst>
+                <a:lin ang="5400000" scaled="0"/>
+              </a:gradFill>
+              <a:latin typeface="Segoe UI" pitchFamily="34" charset="0"/>
+              <a:ea typeface="Segoe UI" pitchFamily="34" charset="0"/>
+              <a:cs typeface="Segoe UI" pitchFamily="34" charset="0"/>
+            </a:endParaRPr>
+          </a:p>
+        </p:txBody>
+      </p:sp>
+      <p:sp>
+        <p:nvSpPr>
+          <p:cNvPr id="6" name="Date Placeholder 5"/>
+          <p:cNvSpPr>
+            <a:spLocks noGrp="1"/>
+          </p:cNvSpPr>
+          <p:nvPr>
+            <p:ph type="dt" idx="12"/>
+          </p:nvPr>
+        </p:nvSpPr>
+        <p:spPr/>
+        <p:txBody>
+          <a:bodyPr/>
+          <a:lstStyle/>
+          <a:p>
+            <a:fld id="{D18B56EA-E28F-4F92-9F16-7A6F2501B303}" type="datetime8">
+              <a:rPr lang="en-US" smtClean="0"/>
+              <a:t>3/4/20 6:15 AM</a:t>
+            </a:fld>
+            <a:endParaRPr lang="en-US" dirty="0"/>
+          </a:p>
+        </p:txBody>
+      </p:sp>
+      <p:sp>
+        <p:nvSpPr>
+          <p:cNvPr id="7" name="Slide Number Placeholder 6"/>
+          <p:cNvSpPr>
+            <a:spLocks noGrp="1"/>
+          </p:cNvSpPr>
+          <p:nvPr>
+            <p:ph type="sldNum" sz="quarter" idx="13"/>
+          </p:nvPr>
+        </p:nvSpPr>
+        <p:spPr/>
+        <p:txBody>
+          <a:bodyPr/>
+          <a:lstStyle/>
+          <a:p>
+            <a:fld id="{B4008EB6-D09E-4580-8CD6-DDB14511944F}" type="slidenum">
+              <a:rPr lang="en-US" smtClean="0"/>
+              <a:pPr/>
+              <a:t>10</a:t>
+            </a:fld>
+            <a:endParaRPr lang="en-US" dirty="0"/>
+          </a:p>
+        </p:txBody>
+      </p:sp>
+    </p:spTree>
+    <p:extLst>
+      <p:ext uri="{BB962C8B-B14F-4D97-AF65-F5344CB8AC3E}">
+        <p14:creationId xmlns:p14="http://schemas.microsoft.com/office/powerpoint/2010/main" val="3282806226"/>
       </p:ext>
     </p:extLst>
   </p:cSld>
@@ -14581,7 +15610,7 @@
       </a:lvl9pPr>
     </p:otherStyle>
   </p:txStyles>
-  <p:extLst mod="1">
+  <p:extLst>
     <p:ext uri="{27BBF7A9-308A-43DC-89C8-2F10F3537804}">
       <p15:sldGuideLst xmlns:p15="http://schemas.microsoft.com/office/powerpoint/2012/main">
         <p15:guide id="3" pos="1381" userDrawn="1">
@@ -15683,14 +16712,30 @@
             <p:ph type="body" sz="quarter" idx="10"/>
           </p:nvPr>
         </p:nvSpPr>
-        <p:spPr/>
+        <p:spPr>
+          <a:xfrm>
+            <a:off x="464400" y="1212850"/>
+            <a:ext cx="11574000" cy="2880789"/>
+          </a:xfrm>
+        </p:spPr>
         <p:txBody>
           <a:bodyPr/>
           <a:lstStyle/>
           <a:p>
             <a:r>
               <a:rPr lang="en-US" dirty="0"/>
-              <a:t>Must include an Authorization header containing an OAuth bearer token</a:t>
+              <a:t>Must include an </a:t>
+            </a:r>
+            <a:r>
+              <a:rPr lang="en-US" dirty="0">
+                <a:latin typeface="Courier New" panose="02070309020205020404" pitchFamily="49" charset="0"/>
+                <a:cs typeface="Courier New" panose="02070309020205020404" pitchFamily="49" charset="0"/>
+              </a:rPr>
+              <a:t>Authorization</a:t>
+            </a:r>
+            <a:r>
+              <a:rPr lang="en-US" dirty="0"/>
+              <a:t> header containing an OAuth bearer token</a:t>
             </a:r>
           </a:p>
           <a:p>

--- a/01 spfx + sp rest api.pptx
+++ b/01 spfx + sp rest api.pptx
@@ -266,7 +266,7 @@
               <a:rPr lang="en-US" smtClean="0">
                 <a:latin typeface="Segoe UI" pitchFamily="34" charset="0"/>
               </a:rPr>
-              <a:t>3/4/20 6:15 AM</a:t>
+              <a:t>8/22/2022 11:52 AM</a:t>
             </a:fld>
             <a:endParaRPr lang="en-US" dirty="0">
               <a:latin typeface="Segoe UI" pitchFamily="34" charset="0"/>
@@ -563,7 +563,7 @@
           <a:p>
             <a:fld id="{D18B56EA-E28F-4F92-9F16-7A6F2501B303}" type="datetime8">
               <a:rPr lang="en-US" smtClean="0"/>
-              <a:t>3/4/20 6:15 AM</a:t>
+              <a:t>8/22/2022 11:52 AM</a:t>
             </a:fld>
             <a:endParaRPr lang="en-US" dirty="0"/>
           </a:p>
@@ -977,7 +977,7 @@
           <a:p>
             <a:fld id="{D18B56EA-E28F-4F92-9F16-7A6F2501B303}" type="datetime8">
               <a:rPr lang="en-US" smtClean="0"/>
-              <a:t>3/4/20 10:48 AM</a:t>
+              <a:t>8/22/2022 11:52 AM</a:t>
             </a:fld>
             <a:endParaRPr lang="en-US" dirty="0"/>
           </a:p>
@@ -1158,7 +1158,7 @@
           <a:p>
             <a:fld id="{D18B56EA-E28F-4F92-9F16-7A6F2501B303}" type="datetime8">
               <a:rPr lang="en-US" smtClean="0"/>
-              <a:t>3/4/20 6:15 AM</a:t>
+              <a:t>8/22/2022 11:52 AM</a:t>
             </a:fld>
             <a:endParaRPr lang="en-US" dirty="0"/>
           </a:p>
@@ -1339,7 +1339,7 @@
           <a:p>
             <a:fld id="{D18B56EA-E28F-4F92-9F16-7A6F2501B303}" type="datetime8">
               <a:rPr lang="en-US" smtClean="0"/>
-              <a:t>3/4/20 6:15 AM</a:t>
+              <a:t>8/22/2022 11:52 AM</a:t>
             </a:fld>
             <a:endParaRPr lang="en-US" dirty="0"/>
           </a:p>
@@ -1520,7 +1520,7 @@
           <a:p>
             <a:fld id="{D18B56EA-E28F-4F92-9F16-7A6F2501B303}" type="datetime8">
               <a:rPr lang="en-US" smtClean="0"/>
-              <a:t>3/4/20 6:15 AM</a:t>
+              <a:t>8/22/2022 11:52 AM</a:t>
             </a:fld>
             <a:endParaRPr lang="en-US" dirty="0"/>
           </a:p>
@@ -1928,7 +1928,7 @@
           <a:p>
             <a:fld id="{D18B56EA-E28F-4F92-9F16-7A6F2501B303}" type="datetime8">
               <a:rPr lang="en-US" smtClean="0"/>
-              <a:t>3/4/20 3:02 PM</a:t>
+              <a:t>8/22/2022 11:52 AM</a:t>
             </a:fld>
             <a:endParaRPr lang="en-US" dirty="0"/>
           </a:p>
@@ -2206,7 +2206,7 @@
           <a:p>
             <a:fld id="{D18B56EA-E28F-4F92-9F16-7A6F2501B303}" type="datetime8">
               <a:rPr lang="en-US" smtClean="0"/>
-              <a:t>3/4/20 3:10 PM</a:t>
+              <a:t>8/22/2022 11:52 AM</a:t>
             </a:fld>
             <a:endParaRPr lang="en-US" dirty="0"/>
           </a:p>
@@ -2463,7 +2463,7 @@
           <a:p>
             <a:fld id="{D18B56EA-E28F-4F92-9F16-7A6F2501B303}" type="datetime8">
               <a:rPr lang="en-US" smtClean="0"/>
-              <a:t>3/4/20 3:22 PM</a:t>
+              <a:t>8/22/2022 11:52 AM</a:t>
             </a:fld>
             <a:endParaRPr lang="en-US" dirty="0"/>
           </a:p>
@@ -2680,7 +2680,7 @@
           <a:p>
             <a:fld id="{D18B56EA-E28F-4F92-9F16-7A6F2501B303}" type="datetime8">
               <a:rPr lang="en-US" smtClean="0"/>
-              <a:t>3/4/20 3:26 PM</a:t>
+              <a:t>8/22/2022 11:52 AM</a:t>
             </a:fld>
             <a:endParaRPr lang="en-US" dirty="0"/>
           </a:p>
@@ -2861,7 +2861,7 @@
           <a:p>
             <a:fld id="{D18B56EA-E28F-4F92-9F16-7A6F2501B303}" type="datetime8">
               <a:rPr lang="en-US" smtClean="0"/>
-              <a:t>3/4/20 6:15 AM</a:t>
+              <a:t>8/22/2022 11:52 AM</a:t>
             </a:fld>
             <a:endParaRPr lang="en-US" dirty="0"/>
           </a:p>
@@ -3042,7 +3042,7 @@
           <a:p>
             <a:fld id="{D18B56EA-E28F-4F92-9F16-7A6F2501B303}" type="datetime8">
               <a:rPr lang="en-US" smtClean="0"/>
-              <a:t>3/4/20 6:15 AM</a:t>
+              <a:t>8/22/2022 11:52 AM</a:t>
             </a:fld>
             <a:endParaRPr lang="en-US" dirty="0"/>
           </a:p>
@@ -17279,7 +17279,7 @@
           <a:p>
             <a:r>
               <a:rPr lang="en-US" sz="1800" dirty="0"/>
-              <a:t>private _</a:t>
+              <a:t>private async _</a:t>
             </a:r>
             <a:r>
               <a:rPr lang="en-US" sz="1800" dirty="0" err="1"/>
@@ -17301,26 +17301,35 @@
           <a:p>
             <a:r>
               <a:rPr lang="en-US" sz="1800" dirty="0"/>
-              <a:t>  </a:t>
+              <a:t>  const response = await </a:t>
             </a:r>
             <a:r>
               <a:rPr lang="en-US" sz="1800" dirty="0" err="1"/>
-              <a:t>const</a:t>
+              <a:t>this.context.spHttpClient.get</a:t>
             </a:r>
             <a:r>
               <a:rPr lang="en-US" sz="1800" dirty="0"/>
-              <a:t> endpoint: string = </a:t>
+              <a:t>(</a:t>
+            </a:r>
+          </a:p>
+          <a:p>
+            <a:r>
+              <a:rPr lang="en-US" sz="1800" dirty="0"/>
+              <a:t>    </a:t>
             </a:r>
             <a:r>
               <a:rPr lang="en-US" sz="1800" dirty="0" err="1"/>
               <a:t>this.context.pageContext.web.absoluteUrl</a:t>
             </a:r>
-            <a:endParaRPr lang="en-US" sz="1800" dirty="0"/>
-          </a:p>
-          <a:p>
             <a:r>
               <a:rPr lang="en-US" sz="1800" dirty="0"/>
-              <a:t>    + `/_</a:t>
+              <a:t> + </a:t>
+            </a:r>
+          </a:p>
+          <a:p>
+            <a:r>
+              <a:rPr lang="en-US" sz="1800" dirty="0"/>
+              <a:t>    `/_</a:t>
             </a:r>
             <a:r>
               <a:rPr lang="en-US" sz="1800" dirty="0" err="1"/>
@@ -17344,7 +17353,97 @@
             </a:r>
             <a:r>
               <a:rPr lang="en-US" sz="1800" dirty="0"/>
-              <a:t>`</a:t>
+              <a:t>`,</a:t>
+            </a:r>
+          </a:p>
+          <a:p>
+            <a:r>
+              <a:rPr lang="en-US" sz="1800" dirty="0"/>
+              <a:t>    SPHttpClient.configurations.v1);</a:t>
+            </a:r>
+          </a:p>
+          <a:p>
+            <a:endParaRPr lang="en-US" sz="1800" dirty="0"/>
+          </a:p>
+          <a:p>
+            <a:r>
+              <a:rPr lang="en-US" sz="1800" dirty="0"/>
+              <a:t>  if (!</a:t>
+            </a:r>
+            <a:r>
+              <a:rPr lang="en-US" sz="1800" dirty="0" err="1"/>
+              <a:t>response.ok</a:t>
+            </a:r>
+            <a:r>
+              <a:rPr lang="en-US" sz="1800" dirty="0"/>
+              <a:t>) {</a:t>
+            </a:r>
+          </a:p>
+          <a:p>
+            <a:r>
+              <a:rPr lang="en-US" sz="1800" dirty="0"/>
+              <a:t>    const </a:t>
+            </a:r>
+            <a:r>
+              <a:rPr lang="en-US" sz="1800" dirty="0" err="1"/>
+              <a:t>responseText</a:t>
+            </a:r>
+            <a:r>
+              <a:rPr lang="en-US" sz="1800" dirty="0"/>
+              <a:t> = await </a:t>
+            </a:r>
+            <a:r>
+              <a:rPr lang="en-US" sz="1800" dirty="0" err="1"/>
+              <a:t>response.text</a:t>
+            </a:r>
+            <a:r>
+              <a:rPr lang="en-US" sz="1800" dirty="0"/>
+              <a:t>();</a:t>
+            </a:r>
+          </a:p>
+          <a:p>
+            <a:r>
+              <a:rPr lang="en-US" sz="1800" dirty="0"/>
+              <a:t>    throw new Error(</a:t>
+            </a:r>
+            <a:r>
+              <a:rPr lang="en-US" sz="1800" dirty="0" err="1"/>
+              <a:t>responseText</a:t>
+            </a:r>
+            <a:r>
+              <a:rPr lang="en-US" sz="1800" dirty="0"/>
+              <a:t>);</a:t>
+            </a:r>
+          </a:p>
+          <a:p>
+            <a:r>
+              <a:rPr lang="en-US" sz="1800" dirty="0"/>
+              <a:t>  }</a:t>
+            </a:r>
+          </a:p>
+          <a:p>
+            <a:endParaRPr lang="en-US" sz="1800" dirty="0"/>
+          </a:p>
+          <a:p>
+            <a:r>
+              <a:rPr lang="en-US" sz="1800" dirty="0"/>
+              <a:t>  const </a:t>
+            </a:r>
+            <a:r>
+              <a:rPr lang="en-US" sz="1800" dirty="0" err="1"/>
+              <a:t>responseJson</a:t>
+            </a:r>
+            <a:r>
+              <a:rPr lang="en-US" sz="1800" dirty="0"/>
+              <a:t> = await </a:t>
+            </a:r>
+            <a:r>
+              <a:rPr lang="en-US" sz="1800" dirty="0" err="1"/>
+              <a:t>response.json</a:t>
+            </a:r>
+            <a:r>
+              <a:rPr lang="en-US" sz="1800" dirty="0"/>
+              <a:t>();</a:t>
             </a:r>
           </a:p>
           <a:p>
@@ -17357,89 +17456,11 @@
             </a:r>
             <a:r>
               <a:rPr lang="en-US" sz="1800" dirty="0" err="1"/>
-              <a:t>this.context.spHttpClient.get</a:t>
+              <a:t>responseJson.value</a:t>
             </a:r>
             <a:r>
               <a:rPr lang="en-US" sz="1800" dirty="0"/>
-              <a:t>(</a:t>
-            </a:r>
-          </a:p>
-          <a:p>
-            <a:r>
-              <a:rPr lang="en-US" sz="1800" dirty="0"/>
-              <a:t>      endpoint, </a:t>
-            </a:r>
-          </a:p>
-          <a:p>
-            <a:r>
-              <a:rPr lang="en-US" sz="1800" dirty="0"/>
-              <a:t>      SPHttpClient.configurations.v1</a:t>
-            </a:r>
-          </a:p>
-          <a:p>
-            <a:r>
-              <a:rPr lang="en-US" sz="1800" dirty="0"/>
-              <a:t>    )</a:t>
-            </a:r>
-          </a:p>
-          <a:p>
-            <a:r>
-              <a:rPr lang="en-US" sz="1800" dirty="0"/>
-              <a:t>    .then(response =&gt; {</a:t>
-            </a:r>
-          </a:p>
-          <a:p>
-            <a:r>
-              <a:rPr lang="en-US" sz="1800" dirty="0"/>
-              <a:t>      return </a:t>
-            </a:r>
-            <a:r>
-              <a:rPr lang="en-US" sz="1800" dirty="0" err="1"/>
-              <a:t>response.json</a:t>
-            </a:r>
-            <a:r>
-              <a:rPr lang="en-US" sz="1800" dirty="0"/>
-              <a:t>();</a:t>
-            </a:r>
-          </a:p>
-          <a:p>
-            <a:r>
-              <a:rPr lang="en-US" sz="1800" dirty="0"/>
-              <a:t>    })</a:t>
-            </a:r>
-          </a:p>
-          <a:p>
-            <a:r>
-              <a:rPr lang="en-US" sz="1800" dirty="0"/>
-              <a:t>    .then(</a:t>
-            </a:r>
-            <a:r>
-              <a:rPr lang="en-US" sz="1800" dirty="0" err="1"/>
-              <a:t>jsonResponse</a:t>
-            </a:r>
-            <a:r>
-              <a:rPr lang="en-US" sz="1800" dirty="0"/>
-              <a:t> =&gt; {</a:t>
-            </a:r>
-          </a:p>
-          <a:p>
-            <a:r>
-              <a:rPr lang="en-US" sz="1800" dirty="0"/>
-              <a:t>      return </a:t>
-            </a:r>
-            <a:r>
-              <a:rPr lang="en-US" sz="1800" dirty="0" err="1"/>
-              <a:t>jsonResponse.value</a:t>
-            </a:r>
-            <a:r>
-              <a:rPr lang="en-US" sz="1800" dirty="0"/>
-              <a:t>;</a:t>
-            </a:r>
-          </a:p>
-          <a:p>
-            <a:r>
-              <a:rPr lang="en-US" sz="1800" dirty="0"/>
-              <a:t>    }) as Promise&lt;</a:t>
+              <a:t> as </a:t>
             </a:r>
             <a:r>
               <a:rPr lang="en-US" sz="1800" dirty="0" err="1"/>
@@ -17447,7 +17468,7 @@
             </a:r>
             <a:r>
               <a:rPr lang="en-US" sz="1800" dirty="0"/>
-              <a:t>[]&gt;;</a:t>
+              <a:t>[];</a:t>
             </a:r>
           </a:p>
           <a:p>

--- a/01 spfx + sp rest api.pptx
+++ b/01 spfx + sp rest api.pptx
@@ -266,7 +266,7 @@
               <a:rPr lang="en-US" smtClean="0">
                 <a:latin typeface="Segoe UI" pitchFamily="34" charset="0"/>
               </a:rPr>
-              <a:t>8/22/2022 11:52 AM</a:t>
+              <a:t>11/10/2022 7:56 AM</a:t>
             </a:fld>
             <a:endParaRPr lang="en-US" dirty="0">
               <a:latin typeface="Segoe UI" pitchFamily="34" charset="0"/>
@@ -563,7 +563,7 @@
           <a:p>
             <a:fld id="{D18B56EA-E28F-4F92-9F16-7A6F2501B303}" type="datetime8">
               <a:rPr lang="en-US" smtClean="0"/>
-              <a:t>8/22/2022 11:52 AM</a:t>
+              <a:t>11/10/2022 7:56 AM</a:t>
             </a:fld>
             <a:endParaRPr lang="en-US" dirty="0"/>
           </a:p>
@@ -977,7 +977,7 @@
           <a:p>
             <a:fld id="{D18B56EA-E28F-4F92-9F16-7A6F2501B303}" type="datetime8">
               <a:rPr lang="en-US" smtClean="0"/>
-              <a:t>8/22/2022 11:52 AM</a:t>
+              <a:t>11/10/2022 7:56 AM</a:t>
             </a:fld>
             <a:endParaRPr lang="en-US" dirty="0"/>
           </a:p>
@@ -1158,7 +1158,7 @@
           <a:p>
             <a:fld id="{D18B56EA-E28F-4F92-9F16-7A6F2501B303}" type="datetime8">
               <a:rPr lang="en-US" smtClean="0"/>
-              <a:t>8/22/2022 11:52 AM</a:t>
+              <a:t>11/10/2022 7:56 AM</a:t>
             </a:fld>
             <a:endParaRPr lang="en-US" dirty="0"/>
           </a:p>
@@ -1339,7 +1339,7 @@
           <a:p>
             <a:fld id="{D18B56EA-E28F-4F92-9F16-7A6F2501B303}" type="datetime8">
               <a:rPr lang="en-US" smtClean="0"/>
-              <a:t>8/22/2022 11:52 AM</a:t>
+              <a:t>11/10/2022 7:56 AM</a:t>
             </a:fld>
             <a:endParaRPr lang="en-US" dirty="0"/>
           </a:p>
@@ -1520,7 +1520,7 @@
           <a:p>
             <a:fld id="{D18B56EA-E28F-4F92-9F16-7A6F2501B303}" type="datetime8">
               <a:rPr lang="en-US" smtClean="0"/>
-              <a:t>8/22/2022 11:52 AM</a:t>
+              <a:t>11/10/2022 7:56 AM</a:t>
             </a:fld>
             <a:endParaRPr lang="en-US" dirty="0"/>
           </a:p>
@@ -1928,7 +1928,7 @@
           <a:p>
             <a:fld id="{D18B56EA-E28F-4F92-9F16-7A6F2501B303}" type="datetime8">
               <a:rPr lang="en-US" smtClean="0"/>
-              <a:t>8/22/2022 11:52 AM</a:t>
+              <a:t>11/10/2022 7:56 AM</a:t>
             </a:fld>
             <a:endParaRPr lang="en-US" dirty="0"/>
           </a:p>
@@ -2206,7 +2206,7 @@
           <a:p>
             <a:fld id="{D18B56EA-E28F-4F92-9F16-7A6F2501B303}" type="datetime8">
               <a:rPr lang="en-US" smtClean="0"/>
-              <a:t>8/22/2022 11:52 AM</a:t>
+              <a:t>11/10/2022 7:56 AM</a:t>
             </a:fld>
             <a:endParaRPr lang="en-US" dirty="0"/>
           </a:p>
@@ -2463,7 +2463,7 @@
           <a:p>
             <a:fld id="{D18B56EA-E28F-4F92-9F16-7A6F2501B303}" type="datetime8">
               <a:rPr lang="en-US" smtClean="0"/>
-              <a:t>8/22/2022 11:52 AM</a:t>
+              <a:t>11/10/2022 7:56 AM</a:t>
             </a:fld>
             <a:endParaRPr lang="en-US" dirty="0"/>
           </a:p>
@@ -2680,7 +2680,7 @@
           <a:p>
             <a:fld id="{D18B56EA-E28F-4F92-9F16-7A6F2501B303}" type="datetime8">
               <a:rPr lang="en-US" smtClean="0"/>
-              <a:t>8/22/2022 11:52 AM</a:t>
+              <a:t>11/10/2022 7:56 AM</a:t>
             </a:fld>
             <a:endParaRPr lang="en-US" dirty="0"/>
           </a:p>
@@ -2861,7 +2861,7 @@
           <a:p>
             <a:fld id="{D18B56EA-E28F-4F92-9F16-7A6F2501B303}" type="datetime8">
               <a:rPr lang="en-US" smtClean="0"/>
-              <a:t>8/22/2022 11:52 AM</a:t>
+              <a:t>11/10/2022 7:56 AM</a:t>
             </a:fld>
             <a:endParaRPr lang="en-US" dirty="0"/>
           </a:p>
@@ -3042,7 +3042,7 @@
           <a:p>
             <a:fld id="{D18B56EA-E28F-4F92-9F16-7A6F2501B303}" type="datetime8">
               <a:rPr lang="en-US" smtClean="0"/>
-              <a:t>8/22/2022 11:52 AM</a:t>
+              <a:t>11/10/2022 7:56 AM</a:t>
             </a:fld>
             <a:endParaRPr lang="en-US" dirty="0"/>
           </a:p>
@@ -16017,7 +16017,7 @@
                 <a:latin typeface="+mj-lt"/>
                 <a:hlinkClick r:id="rId3"/>
               </a:rPr>
-              <a:t>https://docs.microsoft.com/sharepoint/dev/spfx/sharepoint-framework-overview</a:t>
+              <a:t>https://learn.microsoft.com/sharepoint/dev/spfx/sharepoint-framework-overview</a:t>
             </a:r>
             <a:endParaRPr lang="en-US" sz="1800" dirty="0">
               <a:latin typeface="+mj-lt"/>
@@ -16072,7 +16072,7 @@
                 <a:latin typeface="+mj-lt"/>
                 <a:hlinkClick r:id="rId4"/>
               </a:rPr>
-              <a:t>https://docs.microsoft.com/sharepoint/dev/sp-add-ins/get-to-know-the-sharepoint-rest-service</a:t>
+              <a:t>https://learn.microsoft.com/sharepoint/dev/sp-add-ins/get-to-know-the-sharepoint-rest-service</a:t>
             </a:r>
             <a:r>
               <a:rPr lang="en-US" sz="1800" dirty="0">
@@ -16137,7 +16137,7 @@
                 <a:latin typeface="+mj-lt"/>
                 <a:hlinkClick r:id="rId5"/>
               </a:rPr>
-              <a:t>https://docs.microsoft.com/sharepoint/dev/spfx/connect-to-sharepoint</a:t>
+              <a:t>https://learn.microsoft.com/sharepoint/dev/spfx/connect-to-sharepoint</a:t>
             </a:r>
             <a:r>
               <a:rPr lang="en-US" sz="1800" dirty="0">
